--- a/(222400024)-Hospital Network System.pptx
+++ b/(222400024)-Hospital Network System.pptx
@@ -10,14 +10,15 @@
     <p:sldId id="257" r:id="rId4"/>
     <p:sldId id="259" r:id="rId5"/>
     <p:sldId id="260" r:id="rId6"/>
-    <p:sldId id="261" r:id="rId7"/>
-    <p:sldId id="266" r:id="rId8"/>
-    <p:sldId id="265" r:id="rId9"/>
-    <p:sldId id="267" r:id="rId10"/>
-    <p:sldId id="270" r:id="rId11"/>
-    <p:sldId id="269" r:id="rId12"/>
-    <p:sldId id="268" r:id="rId13"/>
-    <p:sldId id="263" r:id="rId14"/>
+    <p:sldId id="271" r:id="rId7"/>
+    <p:sldId id="261" r:id="rId8"/>
+    <p:sldId id="266" r:id="rId9"/>
+    <p:sldId id="265" r:id="rId10"/>
+    <p:sldId id="267" r:id="rId11"/>
+    <p:sldId id="270" r:id="rId12"/>
+    <p:sldId id="269" r:id="rId13"/>
+    <p:sldId id="268" r:id="rId14"/>
+    <p:sldId id="263" r:id="rId15"/>
   </p:sldIdLst>
   <p:sldSz cx="12192000" cy="6858000"/>
   <p:notesSz cx="6858000" cy="9144000"/>
@@ -188,7 +189,7 @@
           </a:lstStyle>
           <a:p>
             <a:r>
-              <a:rPr lang="en-US" smtClean="0"/>
+              <a:rPr lang="en-US"/>
               <a:t>Click to edit Master title style</a:t>
             </a:r>
             <a:endParaRPr lang="en-US" dirty="0"/>
@@ -263,7 +264,7 @@
           </a:lstStyle>
           <a:p>
             <a:r>
-              <a:rPr lang="en-US" smtClean="0"/>
+              <a:rPr lang="en-US"/>
               <a:t>Click to edit Master subtitle style</a:t>
             </a:r>
             <a:endParaRPr lang="en-US" dirty="0"/>
@@ -287,7 +288,7 @@
           <a:p>
             <a:fld id="{1160EA64-D806-43AC-9DF2-F8C432F32B4C}" type="datetimeFigureOut">
               <a:rPr lang="en-US" dirty="0"/>
-              <a:t>5/15/2025</a:t>
+              <a:t>5/19/2025</a:t>
             </a:fld>
             <a:endParaRPr lang="en-US" dirty="0"/>
           </a:p>
@@ -377,7 +378,7 @@
           <a:lstStyle/>
           <a:p>
             <a:r>
-              <a:rPr lang="en-US" smtClean="0"/>
+              <a:rPr lang="en-US"/>
               <a:t>Click to edit Master title style</a:t>
             </a:r>
             <a:endParaRPr lang="en-US" dirty="0"/>
@@ -401,35 +402,35 @@
           <a:p>
             <a:pPr lvl="0"/>
             <a:r>
-              <a:rPr lang="en-US" smtClean="0"/>
+              <a:rPr lang="en-US"/>
               <a:t>Edit Master text styles</a:t>
             </a:r>
           </a:p>
           <a:p>
             <a:pPr lvl="1"/>
             <a:r>
-              <a:rPr lang="en-US" smtClean="0"/>
+              <a:rPr lang="en-US"/>
               <a:t>Second level</a:t>
             </a:r>
           </a:p>
           <a:p>
             <a:pPr lvl="2"/>
             <a:r>
-              <a:rPr lang="en-US" smtClean="0"/>
+              <a:rPr lang="en-US"/>
               <a:t>Third level</a:t>
             </a:r>
           </a:p>
           <a:p>
             <a:pPr lvl="3"/>
             <a:r>
-              <a:rPr lang="en-US" smtClean="0"/>
+              <a:rPr lang="en-US"/>
               <a:t>Fourth level</a:t>
             </a:r>
           </a:p>
           <a:p>
             <a:pPr lvl="4"/>
             <a:r>
-              <a:rPr lang="en-US" smtClean="0"/>
+              <a:rPr lang="en-US"/>
               <a:t>Fifth level</a:t>
             </a:r>
             <a:endParaRPr lang="en-US" dirty="0"/>
@@ -453,7 +454,7 @@
           <a:p>
             <a:fld id="{E9F9C37B-1D36-470B-8223-D6C91242EC14}" type="datetimeFigureOut">
               <a:rPr lang="en-US" dirty="0"/>
-              <a:t>5/15/2025</a:t>
+              <a:t>5/19/2025</a:t>
             </a:fld>
             <a:endParaRPr lang="en-US" dirty="0"/>
           </a:p>
@@ -547,7 +548,7 @@
           <a:lstStyle/>
           <a:p>
             <a:r>
-              <a:rPr lang="en-US" smtClean="0"/>
+              <a:rPr lang="en-US"/>
               <a:t>Click to edit Master title style</a:t>
             </a:r>
             <a:endParaRPr lang="en-US" dirty="0"/>
@@ -576,35 +577,35 @@
           <a:p>
             <a:pPr lvl="0"/>
             <a:r>
-              <a:rPr lang="en-US" smtClean="0"/>
+              <a:rPr lang="en-US"/>
               <a:t>Edit Master text styles</a:t>
             </a:r>
           </a:p>
           <a:p>
             <a:pPr lvl="1"/>
             <a:r>
-              <a:rPr lang="en-US" smtClean="0"/>
+              <a:rPr lang="en-US"/>
               <a:t>Second level</a:t>
             </a:r>
           </a:p>
           <a:p>
             <a:pPr lvl="2"/>
             <a:r>
-              <a:rPr lang="en-US" smtClean="0"/>
+              <a:rPr lang="en-US"/>
               <a:t>Third level</a:t>
             </a:r>
           </a:p>
           <a:p>
             <a:pPr lvl="3"/>
             <a:r>
-              <a:rPr lang="en-US" smtClean="0"/>
+              <a:rPr lang="en-US"/>
               <a:t>Fourth level</a:t>
             </a:r>
           </a:p>
           <a:p>
             <a:pPr lvl="4"/>
             <a:r>
-              <a:rPr lang="en-US" smtClean="0"/>
+              <a:rPr lang="en-US"/>
               <a:t>Fifth level</a:t>
             </a:r>
             <a:endParaRPr lang="en-US" dirty="0"/>
@@ -628,7 +629,7 @@
           <a:p>
             <a:fld id="{67C6F52A-A82B-47A2-A83A-8C4C91F2D59F}" type="datetimeFigureOut">
               <a:rPr lang="en-US" dirty="0"/>
-              <a:t>5/15/2025</a:t>
+              <a:t>5/19/2025</a:t>
             </a:fld>
             <a:endParaRPr lang="en-US" dirty="0"/>
           </a:p>
@@ -717,7 +718,7 @@
           <a:lstStyle/>
           <a:p>
             <a:r>
-              <a:rPr lang="en-US" smtClean="0"/>
+              <a:rPr lang="en-US"/>
               <a:t>Click to edit Master title style</a:t>
             </a:r>
             <a:endParaRPr lang="en-US" dirty="0"/>
@@ -741,35 +742,35 @@
           <a:p>
             <a:pPr lvl="0"/>
             <a:r>
-              <a:rPr lang="en-US" smtClean="0"/>
+              <a:rPr lang="en-US"/>
               <a:t>Edit Master text styles</a:t>
             </a:r>
           </a:p>
           <a:p>
             <a:pPr lvl="1"/>
             <a:r>
-              <a:rPr lang="en-US" smtClean="0"/>
+              <a:rPr lang="en-US"/>
               <a:t>Second level</a:t>
             </a:r>
           </a:p>
           <a:p>
             <a:pPr lvl="2"/>
             <a:r>
-              <a:rPr lang="en-US" smtClean="0"/>
+              <a:rPr lang="en-US"/>
               <a:t>Third level</a:t>
             </a:r>
           </a:p>
           <a:p>
             <a:pPr lvl="3"/>
             <a:r>
-              <a:rPr lang="en-US" smtClean="0"/>
+              <a:rPr lang="en-US"/>
               <a:t>Fourth level</a:t>
             </a:r>
           </a:p>
           <a:p>
             <a:pPr lvl="4"/>
             <a:r>
-              <a:rPr lang="en-US" smtClean="0"/>
+              <a:rPr lang="en-US"/>
               <a:t>Fifth level</a:t>
             </a:r>
             <a:endParaRPr lang="en-US" dirty="0"/>
@@ -793,7 +794,7 @@
           <a:p>
             <a:fld id="{F070A7B3-6521-4DCA-87E5-044747A908C1}" type="datetimeFigureOut">
               <a:rPr lang="en-US" dirty="0"/>
-              <a:t>5/15/2025</a:t>
+              <a:t>5/19/2025</a:t>
             </a:fld>
             <a:endParaRPr lang="en-US" dirty="0"/>
           </a:p>
@@ -914,7 +915,7 @@
           </a:lstStyle>
           <a:p>
             <a:r>
-              <a:rPr lang="en-US" smtClean="0"/>
+              <a:rPr lang="en-US"/>
               <a:t>Click to edit Master title style</a:t>
             </a:r>
             <a:endParaRPr lang="en-US" dirty="0"/>
@@ -1034,7 +1035,7 @@
           <a:p>
             <a:pPr lvl="0"/>
             <a:r>
-              <a:rPr lang="en-US" smtClean="0"/>
+              <a:rPr lang="en-US"/>
               <a:t>Edit Master text styles</a:t>
             </a:r>
           </a:p>
@@ -1057,7 +1058,7 @@
           <a:p>
             <a:fld id="{1160EA64-D806-43AC-9DF2-F8C432F32B4C}" type="datetimeFigureOut">
               <a:rPr lang="en-US" dirty="0"/>
-              <a:t>5/15/2025</a:t>
+              <a:t>5/19/2025</a:t>
             </a:fld>
             <a:endParaRPr lang="en-US" dirty="0"/>
           </a:p>
@@ -1147,7 +1148,7 @@
           <a:lstStyle/>
           <a:p>
             <a:r>
-              <a:rPr lang="en-US" smtClean="0"/>
+              <a:rPr lang="en-US"/>
               <a:t>Click to edit Master title style</a:t>
             </a:r>
             <a:endParaRPr lang="en-US" dirty="0"/>
@@ -1176,35 +1177,35 @@
           <a:p>
             <a:pPr lvl="0"/>
             <a:r>
-              <a:rPr lang="en-US" smtClean="0"/>
+              <a:rPr lang="en-US"/>
               <a:t>Edit Master text styles</a:t>
             </a:r>
           </a:p>
           <a:p>
             <a:pPr lvl="1"/>
             <a:r>
-              <a:rPr lang="en-US" smtClean="0"/>
+              <a:rPr lang="en-US"/>
               <a:t>Second level</a:t>
             </a:r>
           </a:p>
           <a:p>
             <a:pPr lvl="2"/>
             <a:r>
-              <a:rPr lang="en-US" smtClean="0"/>
+              <a:rPr lang="en-US"/>
               <a:t>Third level</a:t>
             </a:r>
           </a:p>
           <a:p>
             <a:pPr lvl="3"/>
             <a:r>
-              <a:rPr lang="en-US" smtClean="0"/>
+              <a:rPr lang="en-US"/>
               <a:t>Fourth level</a:t>
             </a:r>
           </a:p>
           <a:p>
             <a:pPr lvl="4"/>
             <a:r>
-              <a:rPr lang="en-US" smtClean="0"/>
+              <a:rPr lang="en-US"/>
               <a:t>Fifth level</a:t>
             </a:r>
             <a:endParaRPr lang="en-US" dirty="0"/>
@@ -1233,35 +1234,35 @@
           <a:p>
             <a:pPr lvl="0"/>
             <a:r>
-              <a:rPr lang="en-US" smtClean="0"/>
+              <a:rPr lang="en-US"/>
               <a:t>Edit Master text styles</a:t>
             </a:r>
           </a:p>
           <a:p>
             <a:pPr lvl="1"/>
             <a:r>
-              <a:rPr lang="en-US" smtClean="0"/>
+              <a:rPr lang="en-US"/>
               <a:t>Second level</a:t>
             </a:r>
           </a:p>
           <a:p>
             <a:pPr lvl="2"/>
             <a:r>
-              <a:rPr lang="en-US" smtClean="0"/>
+              <a:rPr lang="en-US"/>
               <a:t>Third level</a:t>
             </a:r>
           </a:p>
           <a:p>
             <a:pPr lvl="3"/>
             <a:r>
-              <a:rPr lang="en-US" smtClean="0"/>
+              <a:rPr lang="en-US"/>
               <a:t>Fourth level</a:t>
             </a:r>
           </a:p>
           <a:p>
             <a:pPr lvl="4"/>
             <a:r>
-              <a:rPr lang="en-US" smtClean="0"/>
+              <a:rPr lang="en-US"/>
               <a:t>Fifth level</a:t>
             </a:r>
             <a:endParaRPr lang="en-US" dirty="0"/>
@@ -1285,7 +1286,7 @@
           <a:p>
             <a:fld id="{AB134690-1557-4C89-A502-4959FE7FAD70}" type="datetimeFigureOut">
               <a:rPr lang="en-US" dirty="0"/>
-              <a:t>5/15/2025</a:t>
+              <a:t>5/19/2025</a:t>
             </a:fld>
             <a:endParaRPr lang="en-US" dirty="0"/>
           </a:p>
@@ -1425,7 +1426,7 @@
           <a:p>
             <a:pPr lvl="0"/>
             <a:r>
-              <a:rPr lang="en-US" smtClean="0"/>
+              <a:rPr lang="en-US"/>
               <a:t>Edit Master text styles</a:t>
             </a:r>
           </a:p>
@@ -1453,35 +1454,35 @@
           <a:p>
             <a:pPr lvl="0"/>
             <a:r>
-              <a:rPr lang="en-US" smtClean="0"/>
+              <a:rPr lang="en-US"/>
               <a:t>Edit Master text styles</a:t>
             </a:r>
           </a:p>
           <a:p>
             <a:pPr lvl="1"/>
             <a:r>
-              <a:rPr lang="en-US" smtClean="0"/>
+              <a:rPr lang="en-US"/>
               <a:t>Second level</a:t>
             </a:r>
           </a:p>
           <a:p>
             <a:pPr lvl="2"/>
             <a:r>
-              <a:rPr lang="en-US" smtClean="0"/>
+              <a:rPr lang="en-US"/>
               <a:t>Third level</a:t>
             </a:r>
           </a:p>
           <a:p>
             <a:pPr lvl="3"/>
             <a:r>
-              <a:rPr lang="en-US" smtClean="0"/>
+              <a:rPr lang="en-US"/>
               <a:t>Fourth level</a:t>
             </a:r>
           </a:p>
           <a:p>
             <a:pPr lvl="4"/>
             <a:r>
-              <a:rPr lang="en-US" smtClean="0"/>
+              <a:rPr lang="en-US"/>
               <a:t>Fifth level</a:t>
             </a:r>
             <a:endParaRPr lang="en-US" dirty="0"/>
@@ -1514,35 +1515,35 @@
           <a:p>
             <a:pPr lvl="0"/>
             <a:r>
-              <a:rPr lang="en-US" smtClean="0"/>
+              <a:rPr lang="en-US"/>
               <a:t>Edit Master text styles</a:t>
             </a:r>
           </a:p>
           <a:p>
             <a:pPr lvl="1"/>
             <a:r>
-              <a:rPr lang="en-US" smtClean="0"/>
+              <a:rPr lang="en-US"/>
               <a:t>Second level</a:t>
             </a:r>
           </a:p>
           <a:p>
             <a:pPr lvl="2"/>
             <a:r>
-              <a:rPr lang="en-US" smtClean="0"/>
+              <a:rPr lang="en-US"/>
               <a:t>Third level</a:t>
             </a:r>
           </a:p>
           <a:p>
             <a:pPr lvl="3"/>
             <a:r>
-              <a:rPr lang="en-US" smtClean="0"/>
+              <a:rPr lang="en-US"/>
               <a:t>Fourth level</a:t>
             </a:r>
           </a:p>
           <a:p>
             <a:pPr lvl="4"/>
             <a:r>
-              <a:rPr lang="en-US" smtClean="0"/>
+              <a:rPr lang="en-US"/>
               <a:t>Fifth level</a:t>
             </a:r>
             <a:endParaRPr lang="en-US" dirty="0"/>
@@ -1616,7 +1617,7 @@
           <a:p>
             <a:pPr lvl="0"/>
             <a:r>
-              <a:rPr lang="en-US" smtClean="0"/>
+              <a:rPr lang="en-US"/>
               <a:t>Edit Master text styles</a:t>
             </a:r>
           </a:p>
@@ -1639,7 +1640,7 @@
           <a:p>
             <a:fld id="{4F7D4976-E339-4826-83B7-FBD03F55ECF8}" type="datetimeFigureOut">
               <a:rPr lang="en-US" dirty="0"/>
-              <a:t>5/15/2025</a:t>
+              <a:t>5/19/2025</a:t>
             </a:fld>
             <a:endParaRPr lang="en-US" dirty="0"/>
           </a:p>
@@ -1703,7 +1704,7 @@
           <a:lstStyle/>
           <a:p>
             <a:r>
-              <a:rPr lang="en-US" smtClean="0"/>
+              <a:rPr lang="en-US"/>
               <a:t>Click to edit Master title style</a:t>
             </a:r>
             <a:endParaRPr lang="en-US" dirty="0"/>
@@ -1751,7 +1752,7 @@
           <a:lstStyle/>
           <a:p>
             <a:r>
-              <a:rPr lang="en-US" smtClean="0"/>
+              <a:rPr lang="en-US"/>
               <a:t>Click to edit Master title style</a:t>
             </a:r>
             <a:endParaRPr lang="en-US" dirty="0"/>
@@ -1775,7 +1776,7 @@
           <a:p>
             <a:fld id="{E1037C31-9E7A-4F99-8774-A0E530DE1A42}" type="datetimeFigureOut">
               <a:rPr lang="en-US" dirty="0"/>
-              <a:t>5/15/2025</a:t>
+              <a:t>5/19/2025</a:t>
             </a:fld>
             <a:endParaRPr lang="en-US" dirty="0"/>
           </a:p>
@@ -1865,7 +1866,7 @@
           <a:p>
             <a:fld id="{C278504F-A551-4DE0-9316-4DCD1D8CC752}" type="datetimeFigureOut">
               <a:rPr lang="en-US" dirty="0"/>
-              <a:t>5/15/2025</a:t>
+              <a:t>5/19/2025</a:t>
             </a:fld>
             <a:endParaRPr lang="en-US" dirty="0"/>
           </a:p>
@@ -2015,7 +2016,7 @@
           </a:lstStyle>
           <a:p>
             <a:r>
-              <a:rPr lang="en-US" smtClean="0"/>
+              <a:rPr lang="en-US"/>
               <a:t>Click to edit Master title style</a:t>
             </a:r>
             <a:endParaRPr lang="en-US" dirty="0"/>
@@ -2094,35 +2095,35 @@
           <a:p>
             <a:pPr lvl="0"/>
             <a:r>
-              <a:rPr lang="en-US" smtClean="0"/>
+              <a:rPr lang="en-US"/>
               <a:t>Edit Master text styles</a:t>
             </a:r>
           </a:p>
           <a:p>
             <a:pPr lvl="1"/>
             <a:r>
-              <a:rPr lang="en-US" smtClean="0"/>
+              <a:rPr lang="en-US"/>
               <a:t>Second level</a:t>
             </a:r>
           </a:p>
           <a:p>
             <a:pPr lvl="2"/>
             <a:r>
-              <a:rPr lang="en-US" smtClean="0"/>
+              <a:rPr lang="en-US"/>
               <a:t>Third level</a:t>
             </a:r>
           </a:p>
           <a:p>
             <a:pPr lvl="3"/>
             <a:r>
-              <a:rPr lang="en-US" smtClean="0"/>
+              <a:rPr lang="en-US"/>
               <a:t>Fourth level</a:t>
             </a:r>
           </a:p>
           <a:p>
             <a:pPr lvl="4"/>
             <a:r>
-              <a:rPr lang="en-US" smtClean="0"/>
+              <a:rPr lang="en-US"/>
               <a:t>Fifth level</a:t>
             </a:r>
             <a:endParaRPr lang="en-US" dirty="0"/>
@@ -2194,7 +2195,7 @@
           <a:p>
             <a:pPr lvl="0"/>
             <a:r>
-              <a:rPr lang="en-US" smtClean="0"/>
+              <a:rPr lang="en-US"/>
               <a:t>Edit Master text styles</a:t>
             </a:r>
           </a:p>
@@ -2217,7 +2218,7 @@
           <a:p>
             <a:fld id="{D1BE4249-C0D0-4B06-8692-E8BB871AF643}" type="datetimeFigureOut">
               <a:rPr lang="en-US" dirty="0"/>
-              <a:t>5/15/2025</a:t>
+              <a:t>5/19/2025</a:t>
             </a:fld>
             <a:endParaRPr lang="en-US" dirty="0"/>
           </a:p>
@@ -2382,7 +2383,7 @@
           </a:lstStyle>
           <a:p>
             <a:r>
-              <a:rPr lang="en-US" smtClean="0"/>
+              <a:rPr lang="en-US"/>
               <a:t>Click to edit Master title style</a:t>
             </a:r>
             <a:endParaRPr lang="en-US" dirty="0"/>
@@ -2459,7 +2460,7 @@
           </a:lstStyle>
           <a:p>
             <a:r>
-              <a:rPr lang="en-US" smtClean="0"/>
+              <a:rPr lang="en-US"/>
               <a:t>Click icon to add picture</a:t>
             </a:r>
             <a:endParaRPr lang="en-US" dirty="0"/>
@@ -2531,7 +2532,7 @@
           <a:p>
             <a:pPr lvl="0"/>
             <a:r>
-              <a:rPr lang="en-US" smtClean="0"/>
+              <a:rPr lang="en-US"/>
               <a:t>Edit Master text styles</a:t>
             </a:r>
           </a:p>
@@ -2569,7 +2570,7 @@
           <a:p>
             <a:fld id="{042B0DB6-F5C7-45FB-8CF3-31B45F9C2DAC}" type="datetimeFigureOut">
               <a:rPr lang="en-US" dirty="0"/>
-              <a:t>5/15/2025</a:t>
+              <a:t>5/19/2025</a:t>
             </a:fld>
             <a:endParaRPr lang="en-US" dirty="0"/>
           </a:p>
@@ -2702,7 +2703,7 @@
           <a:lstStyle/>
           <a:p>
             <a:r>
-              <a:rPr lang="en-US" smtClean="0"/>
+              <a:rPr lang="en-US"/>
               <a:t>Click to edit Master title style</a:t>
             </a:r>
             <a:endParaRPr lang="en-US" dirty="0"/>
@@ -2805,7 +2806,7 @@
           <a:p>
             <a:fld id="{1160EA64-D806-43AC-9DF2-F8C432F32B4C}" type="datetimeFigureOut">
               <a:rPr lang="en-US" dirty="0"/>
-              <a:t>5/15/2025</a:t>
+              <a:t>5/19/2025</a:t>
             </a:fld>
             <a:endParaRPr lang="en-US" dirty="0"/>
           </a:p>
@@ -3270,7 +3271,7 @@
           <a:lstStyle/>
           <a:p>
             <a:r>
-              <a:rPr lang="en-US" b="1" dirty="0" smtClean="0">
+              <a:rPr lang="en-US" b="1" dirty="0">
                 <a:latin typeface="Times New Roman" panose="02020603050405020304" pitchFamily="18" charset="0"/>
                 <a:cs typeface="Times New Roman" panose="02020603050405020304" pitchFamily="18" charset="0"/>
               </a:rPr>
@@ -3307,7 +3308,7 @@
           <a:p>
             <a:pPr algn="l"/>
             <a:r>
-              <a:rPr lang="en-US" sz="1600" b="1" dirty="0" smtClean="0">
+              <a:rPr lang="en-US" sz="1600" b="1" dirty="0">
                 <a:solidFill>
                   <a:schemeClr val="bg1"/>
                 </a:solidFill>
@@ -3320,7 +3321,7 @@
           <a:p>
             <a:pPr algn="l"/>
             <a:r>
-              <a:rPr lang="en-US" sz="1600" b="1" dirty="0" smtClean="0">
+              <a:rPr lang="en-US" sz="1600" b="1" dirty="0">
                 <a:solidFill>
                   <a:schemeClr val="bg1"/>
                 </a:solidFill>
@@ -3330,7 +3331,7 @@
               <a:t>Name :  </a:t>
             </a:r>
             <a:r>
-              <a:rPr lang="en-US" sz="1600" dirty="0" err="1" smtClean="0">
+              <a:rPr lang="en-US" sz="1600" dirty="0" err="1">
                 <a:solidFill>
                   <a:schemeClr val="bg1"/>
                 </a:solidFill>
@@ -3340,7 +3341,7 @@
               <a:t>Jannatul</a:t>
             </a:r>
             <a:r>
-              <a:rPr lang="en-US" sz="1600" dirty="0" smtClean="0">
+              <a:rPr lang="en-US" sz="1600" dirty="0">
                 <a:solidFill>
                   <a:schemeClr val="bg1"/>
                 </a:solidFill>
@@ -3350,7 +3351,7 @@
               <a:t> </a:t>
             </a:r>
             <a:r>
-              <a:rPr lang="en-US" sz="1600" dirty="0" err="1" smtClean="0">
+              <a:rPr lang="en-US" sz="1600" dirty="0" err="1">
                 <a:solidFill>
                   <a:schemeClr val="bg1"/>
                 </a:solidFill>
@@ -3360,7 +3361,7 @@
               <a:t>Firdous</a:t>
             </a:r>
             <a:r>
-              <a:rPr lang="en-US" sz="1600" dirty="0" smtClean="0">
+              <a:rPr lang="en-US" sz="1600" dirty="0">
                 <a:solidFill>
                   <a:schemeClr val="bg1"/>
                 </a:solidFill>
@@ -3373,7 +3374,7 @@
           <a:p>
             <a:pPr algn="l"/>
             <a:r>
-              <a:rPr lang="en-US" sz="1600" b="1" dirty="0" smtClean="0">
+              <a:rPr lang="en-US" sz="1600" b="1" dirty="0">
                 <a:solidFill>
                   <a:schemeClr val="bg1"/>
                 </a:solidFill>
@@ -3383,7 +3384,7 @@
               <a:t>ID :  </a:t>
             </a:r>
             <a:r>
-              <a:rPr lang="en-US" sz="1600" dirty="0" smtClean="0">
+              <a:rPr lang="en-US" sz="1600" dirty="0">
                 <a:solidFill>
                   <a:schemeClr val="bg1"/>
                 </a:solidFill>
@@ -3396,7 +3397,7 @@
           <a:p>
             <a:pPr algn="l"/>
             <a:r>
-              <a:rPr lang="en-US" sz="1600" b="1" dirty="0" smtClean="0">
+              <a:rPr lang="en-US" sz="1600" b="1" dirty="0">
                 <a:solidFill>
                   <a:schemeClr val="bg1"/>
                 </a:solidFill>
@@ -3406,7 +3407,7 @@
               <a:t>Course Code : </a:t>
             </a:r>
             <a:r>
-              <a:rPr lang="en-US" sz="1600" dirty="0" smtClean="0">
+              <a:rPr lang="en-US" sz="1600" dirty="0">
                 <a:solidFill>
                   <a:schemeClr val="bg1"/>
                 </a:solidFill>
@@ -3419,7 +3420,7 @@
           <a:p>
             <a:pPr algn="l"/>
             <a:r>
-              <a:rPr lang="en-US" sz="1600" b="1" dirty="0" smtClean="0">
+              <a:rPr lang="en-US" sz="1600" b="1" dirty="0">
                 <a:solidFill>
                   <a:schemeClr val="bg1"/>
                 </a:solidFill>
@@ -3429,7 +3430,7 @@
               <a:t>Course Title : </a:t>
             </a:r>
             <a:r>
-              <a:rPr lang="en-US" sz="1600" dirty="0" smtClean="0">
+              <a:rPr lang="en-US" sz="1600" dirty="0">
                 <a:solidFill>
                   <a:schemeClr val="bg1"/>
                 </a:solidFill>
@@ -3442,7 +3443,7 @@
           <a:p>
             <a:pPr algn="l"/>
             <a:r>
-              <a:rPr lang="en-US" sz="1600" dirty="0" smtClean="0">
+              <a:rPr lang="en-US" sz="1600" dirty="0">
                 <a:solidFill>
                   <a:schemeClr val="bg1"/>
                 </a:solidFill>
@@ -3471,13 +3472,6 @@
   <p:clrMapOvr>
     <a:masterClrMapping/>
   </p:clrMapOvr>
-  <p:timing>
-    <p:tnLst>
-      <p:par>
-        <p:cTn id="1" dur="indefinite" restart="never" nodeType="tmRoot"/>
-      </p:par>
-    </p:tnLst>
-  </p:timing>
 </p:sld>
 </file>
 
@@ -3514,15 +3508,385 @@
           <a:lstStyle/>
           <a:p>
             <a:r>
-              <a:rPr lang="en-GB" sz="2800" b="1" dirty="0" smtClean="0">
+              <a:rPr lang="en-GB" sz="2800" b="1" dirty="0">
+                <a:latin typeface="Times New Roman" panose="02020603050405020304" pitchFamily="18" charset="0"/>
+                <a:cs typeface="Times New Roman" panose="02020603050405020304" pitchFamily="18" charset="0"/>
+              </a:rPr>
+              <a:t>General ward</a:t>
+            </a:r>
+            <a:br>
+              <a:rPr lang="en-GB" b="1" dirty="0"/>
+            </a:br>
+            <a:endParaRPr lang="en-GB" dirty="0"/>
+          </a:p>
+        </p:txBody>
+      </p:sp>
+      <p:sp>
+        <p:nvSpPr>
+          <p:cNvPr id="3" name="Rectangle 1"/>
+          <p:cNvSpPr>
+            <a:spLocks noGrp="1" noChangeArrowheads="1"/>
+          </p:cNvSpPr>
+          <p:nvPr>
+            <p:ph type="body" sz="half" idx="2"/>
+          </p:nvPr>
+        </p:nvSpPr>
+        <p:spPr bwMode="auto">
+          <a:xfrm>
+            <a:off x="808523" y="3634318"/>
+            <a:ext cx="4658215" cy="2308324"/>
+          </a:xfrm>
+          <a:prstGeom prst="rect">
+            <a:avLst/>
+          </a:prstGeom>
+          <a:noFill/>
+          <a:ln>
+            <a:noFill/>
+          </a:ln>
+          <a:effectLst/>
+          <a:extLst>
+            <a:ext uri="{909E8E84-426E-40DD-AFC4-6F175D3DCCD1}">
+              <a14:hiddenFill xmlns:a14="http://schemas.microsoft.com/office/drawing/2010/main">
+                <a:solidFill>
+                  <a:schemeClr val="accent1"/>
+                </a:solidFill>
+              </a14:hiddenFill>
+            </a:ext>
+            <a:ext uri="{91240B29-F687-4F45-9708-019B960494DF}">
+              <a14:hiddenLine xmlns:a14="http://schemas.microsoft.com/office/drawing/2010/main" w="9525">
+                <a:solidFill>
+                  <a:schemeClr val="tx1"/>
+                </a:solidFill>
+                <a:miter lim="800000"/>
+                <a:headEnd/>
+                <a:tailEnd/>
+              </a14:hiddenLine>
+            </a:ext>
+            <a:ext uri="{AF507438-7753-43E0-B8FC-AC1667EBCBE1}">
+              <a14:hiddenEffects xmlns:a14="http://schemas.microsoft.com/office/drawing/2010/main">
+                <a:effectLst>
+                  <a:outerShdw dist="35921" dir="2700000" algn="ctr" rotWithShape="0">
+                    <a:schemeClr val="bg2"/>
+                  </a:outerShdw>
+                </a:effectLst>
+              </a14:hiddenEffects>
+            </a:ext>
+          </a:extLst>
+        </p:spPr>
+        <p:txBody>
+          <a:bodyPr vert="horz" wrap="square" lIns="91440" tIns="45720" rIns="91440" bIns="45720" numCol="1" anchor="ctr" anchorCtr="0" compatLnSpc="1">
+            <a:prstTxWarp prst="textNoShape">
+              <a:avLst/>
+            </a:prstTxWarp>
+            <a:spAutoFit/>
+          </a:bodyPr>
+          <a:lstStyle/>
+          <a:p>
+            <a:pPr marL="0" marR="0" lvl="0" indent="0" algn="l" defTabSz="914400" rtl="0" eaLnBrk="0" fontAlgn="base" latinLnBrk="0" hangingPunct="0">
+              <a:lnSpc>
+                <a:spcPct val="100000"/>
+              </a:lnSpc>
+              <a:spcBef>
+                <a:spcPct val="0"/>
+              </a:spcBef>
+              <a:spcAft>
+                <a:spcPct val="0"/>
+              </a:spcAft>
+              <a:buClrTx/>
+              <a:buSzTx/>
+              <a:buFontTx/>
+              <a:buChar char="•"/>
+              <a:tabLst/>
+            </a:pPr>
+            <a:r>
+              <a:rPr kumimoji="0" lang="en-US" altLang="en-US" sz="1800" i="0" u="none" strike="noStrike" cap="none" normalizeH="0" baseline="0" dirty="0">
+                <a:ln>
+                  <a:noFill/>
+                </a:ln>
+                <a:solidFill>
+                  <a:schemeClr val="tx1"/>
+                </a:solidFill>
+                <a:effectLst/>
+                <a:latin typeface="Times New Roman" panose="02020603050405020304" pitchFamily="18" charset="0"/>
+                <a:cs typeface="Times New Roman" panose="02020603050405020304" pitchFamily="18" charset="0"/>
+              </a:rPr>
+              <a:t>Network: </a:t>
+            </a:r>
+            <a:r>
+              <a:rPr kumimoji="0" lang="en-US" altLang="en-US" sz="1800" b="0" i="0" u="none" strike="noStrike" cap="none" normalizeH="0" baseline="0" dirty="0">
+                <a:ln>
+                  <a:noFill/>
+                </a:ln>
+                <a:solidFill>
+                  <a:schemeClr val="tx1"/>
+                </a:solidFill>
+                <a:effectLst/>
+                <a:latin typeface="Times New Roman" panose="02020603050405020304" pitchFamily="18" charset="0"/>
+                <a:cs typeface="Times New Roman" panose="02020603050405020304" pitchFamily="18" charset="0"/>
+              </a:rPr>
+              <a:t>192.168.4.0</a:t>
+            </a:r>
+          </a:p>
+          <a:p>
+            <a:pPr marL="0" marR="0" lvl="0" indent="0" algn="l" defTabSz="914400" rtl="0" eaLnBrk="0" fontAlgn="base" latinLnBrk="0" hangingPunct="0">
+              <a:lnSpc>
+                <a:spcPct val="100000"/>
+              </a:lnSpc>
+              <a:spcBef>
+                <a:spcPct val="0"/>
+              </a:spcBef>
+              <a:spcAft>
+                <a:spcPct val="0"/>
+              </a:spcAft>
+              <a:buClrTx/>
+              <a:buSzTx/>
+              <a:buFontTx/>
+              <a:buChar char="•"/>
+              <a:tabLst/>
+            </a:pPr>
+            <a:endParaRPr kumimoji="0" lang="en-US" altLang="en-US" sz="1800" b="0" i="0" u="none" strike="noStrike" cap="none" normalizeH="0" baseline="0" dirty="0">
+              <a:ln>
+                <a:noFill/>
+              </a:ln>
+              <a:solidFill>
+                <a:schemeClr val="tx1"/>
+              </a:solidFill>
+              <a:effectLst/>
+              <a:latin typeface="Times New Roman" panose="02020603050405020304" pitchFamily="18" charset="0"/>
+              <a:cs typeface="Times New Roman" panose="02020603050405020304" pitchFamily="18" charset="0"/>
+            </a:endParaRPr>
+          </a:p>
+          <a:p>
+            <a:pPr marL="0" marR="0" lvl="0" indent="0" algn="l" defTabSz="914400" rtl="0" eaLnBrk="0" fontAlgn="base" latinLnBrk="0" hangingPunct="0">
+              <a:lnSpc>
+                <a:spcPct val="100000"/>
+              </a:lnSpc>
+              <a:spcBef>
+                <a:spcPct val="0"/>
+              </a:spcBef>
+              <a:spcAft>
+                <a:spcPct val="0"/>
+              </a:spcAft>
+              <a:buClrTx/>
+              <a:buSzTx/>
+              <a:buFontTx/>
+              <a:buChar char="•"/>
+              <a:tabLst/>
+            </a:pPr>
+            <a:r>
+              <a:rPr kumimoji="0" lang="en-US" altLang="en-US" sz="1800" b="0" i="0" u="none" strike="noStrike" cap="none" normalizeH="0" baseline="0" dirty="0">
+                <a:ln>
+                  <a:noFill/>
+                </a:ln>
+                <a:solidFill>
+                  <a:schemeClr val="tx1"/>
+                </a:solidFill>
+                <a:effectLst/>
+                <a:latin typeface="Times New Roman" panose="02020603050405020304" pitchFamily="18" charset="0"/>
+                <a:cs typeface="Times New Roman" panose="02020603050405020304" pitchFamily="18" charset="0"/>
+              </a:rPr>
+              <a:t>Consists of: Reception, General Ward PCs, Dr. Habib’s PC</a:t>
+            </a:r>
+          </a:p>
+          <a:p>
+            <a:pPr marL="0" marR="0" lvl="0" indent="0" algn="l" defTabSz="914400" rtl="0" eaLnBrk="0" fontAlgn="base" latinLnBrk="0" hangingPunct="0">
+              <a:lnSpc>
+                <a:spcPct val="100000"/>
+              </a:lnSpc>
+              <a:spcBef>
+                <a:spcPct val="0"/>
+              </a:spcBef>
+              <a:spcAft>
+                <a:spcPct val="0"/>
+              </a:spcAft>
+              <a:buClrTx/>
+              <a:buSzTx/>
+              <a:buFontTx/>
+              <a:buChar char="•"/>
+              <a:tabLst/>
+            </a:pPr>
+            <a:endParaRPr kumimoji="0" lang="en-US" altLang="en-US" sz="1800" b="0" i="0" u="none" strike="noStrike" cap="none" normalizeH="0" baseline="0" dirty="0">
+              <a:ln>
+                <a:noFill/>
+              </a:ln>
+              <a:solidFill>
+                <a:schemeClr val="tx1"/>
+              </a:solidFill>
+              <a:effectLst/>
+              <a:latin typeface="Times New Roman" panose="02020603050405020304" pitchFamily="18" charset="0"/>
+              <a:cs typeface="Times New Roman" panose="02020603050405020304" pitchFamily="18" charset="0"/>
+            </a:endParaRPr>
+          </a:p>
+          <a:p>
+            <a:pPr marL="0" marR="0" lvl="0" indent="0" algn="l" defTabSz="914400" rtl="0" eaLnBrk="0" fontAlgn="base" latinLnBrk="0" hangingPunct="0">
+              <a:lnSpc>
+                <a:spcPct val="100000"/>
+              </a:lnSpc>
+              <a:spcBef>
+                <a:spcPct val="0"/>
+              </a:spcBef>
+              <a:spcAft>
+                <a:spcPct val="0"/>
+              </a:spcAft>
+              <a:buClrTx/>
+              <a:buSzTx/>
+              <a:buFontTx/>
+              <a:buChar char="•"/>
+              <a:tabLst/>
+            </a:pPr>
+            <a:r>
+              <a:rPr kumimoji="0" lang="en-US" altLang="en-US" sz="1800" b="0" i="0" u="none" strike="noStrike" cap="none" normalizeH="0" baseline="0" dirty="0">
+                <a:ln>
+                  <a:noFill/>
+                </a:ln>
+                <a:solidFill>
+                  <a:schemeClr val="tx1"/>
+                </a:solidFill>
+                <a:effectLst/>
+                <a:latin typeface="Times New Roman" panose="02020603050405020304" pitchFamily="18" charset="0"/>
+                <a:cs typeface="Times New Roman" panose="02020603050405020304" pitchFamily="18" charset="0"/>
+              </a:rPr>
+              <a:t>Manages patients admitted in shared spaces</a:t>
+            </a:r>
+          </a:p>
+          <a:p>
+            <a:pPr marL="0" marR="0" lvl="0" indent="0" algn="l" defTabSz="914400" rtl="0" eaLnBrk="0" fontAlgn="base" latinLnBrk="0" hangingPunct="0">
+              <a:lnSpc>
+                <a:spcPct val="100000"/>
+              </a:lnSpc>
+              <a:spcBef>
+                <a:spcPct val="0"/>
+              </a:spcBef>
+              <a:spcAft>
+                <a:spcPct val="0"/>
+              </a:spcAft>
+              <a:buClrTx/>
+              <a:buSzTx/>
+              <a:buFontTx/>
+              <a:buChar char="•"/>
+              <a:tabLst/>
+            </a:pPr>
+            <a:endParaRPr kumimoji="0" lang="en-US" altLang="en-US" sz="1800" b="0" i="0" u="none" strike="noStrike" cap="none" normalizeH="0" baseline="0" dirty="0">
+              <a:ln>
+                <a:noFill/>
+              </a:ln>
+              <a:solidFill>
+                <a:schemeClr val="tx1"/>
+              </a:solidFill>
+              <a:effectLst/>
+              <a:latin typeface="Times New Roman" panose="02020603050405020304" pitchFamily="18" charset="0"/>
+              <a:cs typeface="Times New Roman" panose="02020603050405020304" pitchFamily="18" charset="0"/>
+            </a:endParaRPr>
+          </a:p>
+          <a:p>
+            <a:pPr marL="0" marR="0" lvl="0" indent="0" algn="l" defTabSz="914400" rtl="0" eaLnBrk="0" fontAlgn="base" latinLnBrk="0" hangingPunct="0">
+              <a:lnSpc>
+                <a:spcPct val="100000"/>
+              </a:lnSpc>
+              <a:spcBef>
+                <a:spcPct val="0"/>
+              </a:spcBef>
+              <a:spcAft>
+                <a:spcPct val="0"/>
+              </a:spcAft>
+              <a:buClrTx/>
+              <a:buSzTx/>
+              <a:buFontTx/>
+              <a:buChar char="•"/>
+              <a:tabLst/>
+            </a:pPr>
+            <a:r>
+              <a:rPr kumimoji="0" lang="en-US" altLang="en-US" sz="1800" b="0" i="0" u="none" strike="noStrike" cap="none" normalizeH="0" baseline="0" dirty="0">
+                <a:ln>
+                  <a:noFill/>
+                </a:ln>
+                <a:solidFill>
+                  <a:schemeClr val="tx1"/>
+                </a:solidFill>
+                <a:effectLst/>
+                <a:latin typeface="Times New Roman" panose="02020603050405020304" pitchFamily="18" charset="0"/>
+                <a:cs typeface="Times New Roman" panose="02020603050405020304" pitchFamily="18" charset="0"/>
+              </a:rPr>
+              <a:t>Exchanges data with Clinical and Private Ward</a:t>
+            </a:r>
+          </a:p>
+        </p:txBody>
+      </p:sp>
+      <p:pic>
+        <p:nvPicPr>
+          <p:cNvPr id="5" name="Picture 4"/>
+          <p:cNvPicPr>
+            <a:picLocks noChangeAspect="1"/>
+          </p:cNvPicPr>
+          <p:nvPr/>
+        </p:nvPicPr>
+        <p:blipFill>
+          <a:blip r:embed="rId2"/>
+          <a:stretch>
+            <a:fillRect/>
+          </a:stretch>
+        </p:blipFill>
+        <p:spPr>
+          <a:xfrm>
+            <a:off x="6464207" y="1973851"/>
+            <a:ext cx="5241363" cy="3133725"/>
+          </a:xfrm>
+          <a:prstGeom prst="rect">
+            <a:avLst/>
+          </a:prstGeom>
+        </p:spPr>
+      </p:pic>
+    </p:spTree>
+    <p:extLst>
+      <p:ext uri="{BB962C8B-B14F-4D97-AF65-F5344CB8AC3E}">
+        <p14:creationId xmlns:p14="http://schemas.microsoft.com/office/powerpoint/2010/main" val="1632785818"/>
+      </p:ext>
+    </p:extLst>
+  </p:cSld>
+  <p:clrMapOvr>
+    <a:masterClrMapping/>
+  </p:clrMapOvr>
+</p:sld>
+</file>
+
+<file path=ppt/slides/slide11.xml><?xml version="1.0" encoding="utf-8"?>
+<p:sld xmlns:a="http://schemas.openxmlformats.org/drawingml/2006/main" xmlns:r="http://schemas.openxmlformats.org/officeDocument/2006/relationships" xmlns:p="http://schemas.openxmlformats.org/presentationml/2006/main">
+  <p:cSld>
+    <p:spTree>
+      <p:nvGrpSpPr>
+        <p:cNvPr id="1" name=""/>
+        <p:cNvGrpSpPr/>
+        <p:nvPr/>
+      </p:nvGrpSpPr>
+      <p:grpSpPr>
+        <a:xfrm>
+          <a:off x="0" y="0"/>
+          <a:ext cx="0" cy="0"/>
+          <a:chOff x="0" y="0"/>
+          <a:chExt cx="0" cy="0"/>
+        </a:xfrm>
+      </p:grpSpPr>
+      <p:sp>
+        <p:nvSpPr>
+          <p:cNvPr id="2" name="Title 1"/>
+          <p:cNvSpPr>
+            <a:spLocks noGrp="1"/>
+          </p:cNvSpPr>
+          <p:nvPr>
+            <p:ph type="title"/>
+          </p:nvPr>
+        </p:nvSpPr>
+        <p:spPr/>
+        <p:txBody>
+          <a:bodyPr/>
+          <a:lstStyle/>
+          <a:p>
+            <a:r>
+              <a:rPr lang="en-GB" sz="2800" b="1" dirty="0">
                 <a:latin typeface="Times New Roman" panose="02020603050405020304" pitchFamily="18" charset="0"/>
                 <a:cs typeface="Times New Roman" panose="02020603050405020304" pitchFamily="18" charset="0"/>
               </a:rPr>
               <a:t>Private ward</a:t>
-            </a:r>
-            <a:r>
-              <a:rPr lang="en-GB" b="1" dirty="0"/>
-              <a:t/>
             </a:r>
             <a:br>
               <a:rPr lang="en-GB" b="1" dirty="0"/>
@@ -3609,7 +3973,7 @@
               <a:tabLst/>
             </a:pPr>
             <a:r>
-              <a:rPr kumimoji="0" lang="en-US" altLang="en-US" sz="1800" i="0" u="none" strike="noStrike" cap="none" normalizeH="0" baseline="0" dirty="0" smtClean="0">
+              <a:rPr kumimoji="0" lang="en-US" altLang="en-US" sz="1800" i="0" u="none" strike="noStrike" cap="none" normalizeH="0" baseline="0" dirty="0">
                 <a:ln>
                   <a:noFill/>
                 </a:ln>
@@ -3623,7 +3987,7 @@
               <a:t>Network: </a:t>
             </a:r>
             <a:r>
-              <a:rPr kumimoji="0" lang="en-US" altLang="en-US" sz="1800" b="0" i="0" u="none" strike="noStrike" cap="none" normalizeH="0" baseline="0" dirty="0" smtClean="0">
+              <a:rPr kumimoji="0" lang="en-US" altLang="en-US" sz="1800" b="0" i="0" u="none" strike="noStrike" cap="none" normalizeH="0" baseline="0" dirty="0">
                 <a:ln>
                   <a:noFill/>
                 </a:ln>
@@ -3654,7 +4018,7 @@
               <a:buChar char="•"/>
               <a:tabLst/>
             </a:pPr>
-            <a:endParaRPr kumimoji="0" lang="en-US" altLang="en-US" sz="1800" b="0" i="0" u="none" strike="noStrike" cap="none" normalizeH="0" baseline="0" dirty="0" smtClean="0">
+            <a:endParaRPr kumimoji="0" lang="en-US" altLang="en-US" sz="1800" b="0" i="0" u="none" strike="noStrike" cap="none" normalizeH="0" baseline="0" dirty="0">
               <a:ln>
                 <a:noFill/>
               </a:ln>
@@ -3684,7 +4048,7 @@
               <a:tabLst/>
             </a:pPr>
             <a:r>
-              <a:rPr kumimoji="0" lang="en-US" altLang="en-US" sz="1800" b="0" i="0" u="none" strike="noStrike" cap="none" normalizeH="0" baseline="0" dirty="0" smtClean="0">
+              <a:rPr kumimoji="0" lang="en-US" altLang="en-US" sz="1800" b="0" i="0" u="none" strike="noStrike" cap="none" normalizeH="0" baseline="0" dirty="0">
                 <a:ln>
                   <a:noFill/>
                 </a:ln>
@@ -3715,7 +4079,7 @@
               <a:buChar char="•"/>
               <a:tabLst/>
             </a:pPr>
-            <a:endParaRPr kumimoji="0" lang="en-US" altLang="en-US" sz="1800" b="0" i="0" u="none" strike="noStrike" cap="none" normalizeH="0" baseline="0" dirty="0" smtClean="0">
+            <a:endParaRPr kumimoji="0" lang="en-US" altLang="en-US" sz="1800" b="0" i="0" u="none" strike="noStrike" cap="none" normalizeH="0" baseline="0" dirty="0">
               <a:ln>
                 <a:noFill/>
               </a:ln>
@@ -3745,7 +4109,7 @@
               <a:tabLst/>
             </a:pPr>
             <a:r>
-              <a:rPr kumimoji="0" lang="en-US" altLang="en-US" sz="1800" b="0" i="0" u="none" strike="noStrike" cap="none" normalizeH="0" baseline="0" dirty="0" smtClean="0">
+              <a:rPr kumimoji="0" lang="en-US" altLang="en-US" sz="1800" b="0" i="0" u="none" strike="noStrike" cap="none" normalizeH="0" baseline="0" dirty="0">
                 <a:ln>
                   <a:noFill/>
                 </a:ln>
@@ -3776,7 +4140,7 @@
               <a:buChar char="•"/>
               <a:tabLst/>
             </a:pPr>
-            <a:endParaRPr kumimoji="0" lang="en-US" altLang="en-US" sz="1800" b="0" i="0" u="none" strike="noStrike" cap="none" normalizeH="0" baseline="0" dirty="0" smtClean="0">
+            <a:endParaRPr kumimoji="0" lang="en-US" altLang="en-US" sz="1800" b="0" i="0" u="none" strike="noStrike" cap="none" normalizeH="0" baseline="0" dirty="0">
               <a:ln>
                 <a:noFill/>
               </a:ln>
@@ -3806,7 +4170,7 @@
               <a:tabLst/>
             </a:pPr>
             <a:r>
-              <a:rPr kumimoji="0" lang="en-US" altLang="en-US" sz="1800" b="0" i="0" u="none" strike="noStrike" cap="none" normalizeH="0" baseline="0" dirty="0" smtClean="0">
+              <a:rPr kumimoji="0" lang="en-US" altLang="en-US" sz="1800" b="0" i="0" u="none" strike="noStrike" cap="none" normalizeH="0" baseline="0" dirty="0">
                 <a:ln>
                   <a:noFill/>
                 </a:ln>
@@ -3856,17 +4220,10 @@
   <p:clrMapOvr>
     <a:masterClrMapping/>
   </p:clrMapOvr>
-  <p:timing>
-    <p:tnLst>
-      <p:par>
-        <p:cTn id="1" dur="indefinite" restart="never" nodeType="tmRoot"/>
-      </p:par>
-    </p:tnLst>
-  </p:timing>
 </p:sld>
 </file>
 
-<file path=ppt/slides/slide11.xml><?xml version="1.0" encoding="utf-8"?>
+<file path=ppt/slides/slide12.xml><?xml version="1.0" encoding="utf-8"?>
 <p:sld xmlns:a="http://schemas.openxmlformats.org/drawingml/2006/main" xmlns:r="http://schemas.openxmlformats.org/officeDocument/2006/relationships" xmlns:p="http://schemas.openxmlformats.org/presentationml/2006/main">
   <p:cSld>
     <p:spTree>
@@ -3904,35 +4261,18 @@
           <a:lstStyle/>
           <a:p>
             <a:pPr lvl="0"/>
-            <a:r>
-              <a:rPr lang="en-GB" sz="2800" dirty="0" smtClean="0">
-                <a:latin typeface="Times New Roman" panose="02020603050405020304" pitchFamily="18" charset="0"/>
-                <a:cs typeface="Times New Roman" panose="02020603050405020304" pitchFamily="18" charset="0"/>
-              </a:rPr>
-              <a:t/>
-            </a:r>
             <a:br>
-              <a:rPr lang="en-GB" sz="2800" dirty="0" smtClean="0">
+              <a:rPr lang="en-GB" sz="2800" dirty="0">
                 <a:latin typeface="Times New Roman" panose="02020603050405020304" pitchFamily="18" charset="0"/>
                 <a:cs typeface="Times New Roman" panose="02020603050405020304" pitchFamily="18" charset="0"/>
               </a:rPr>
             </a:br>
             <a:r>
-              <a:rPr lang="en-GB" sz="2800" b="1" dirty="0" smtClean="0">
+              <a:rPr lang="en-GB" sz="2800" b="1" dirty="0">
                 <a:latin typeface="Times New Roman" panose="02020603050405020304" pitchFamily="18" charset="0"/>
                 <a:cs typeface="Times New Roman" panose="02020603050405020304" pitchFamily="18" charset="0"/>
               </a:rPr>
               <a:t>Entrance Reception</a:t>
-            </a:r>
-            <a:r>
-              <a:rPr lang="en-US" altLang="en-US" sz="2800" cap="none" dirty="0">
-                <a:solidFill>
-                  <a:schemeClr val="tx1"/>
-                </a:solidFill>
-                <a:latin typeface="Times New Roman" panose="02020603050405020304" pitchFamily="18" charset="0"/>
-                <a:cs typeface="Times New Roman" panose="02020603050405020304" pitchFamily="18" charset="0"/>
-              </a:rPr>
-              <a:t/>
             </a:r>
             <a:br>
               <a:rPr lang="en-US" altLang="en-US" sz="2800" cap="none" dirty="0">
@@ -3943,10 +4283,6 @@
                 <a:cs typeface="Times New Roman" panose="02020603050405020304" pitchFamily="18" charset="0"/>
               </a:rPr>
             </a:br>
-            <a:r>
-              <a:rPr lang="en-GB" b="1" dirty="0"/>
-              <a:t/>
-            </a:r>
             <a:br>
               <a:rPr lang="en-GB" b="1" dirty="0"/>
             </a:br>
@@ -4032,7 +4368,7 @@
               <a:tabLst/>
             </a:pPr>
             <a:r>
-              <a:rPr kumimoji="0" lang="en-US" altLang="en-US" sz="1800" i="0" u="none" strike="noStrike" cap="none" normalizeH="0" baseline="0" dirty="0" smtClean="0">
+              <a:rPr kumimoji="0" lang="en-US" altLang="en-US" sz="1800" i="0" u="none" strike="noStrike" cap="none" normalizeH="0" baseline="0" dirty="0">
                 <a:ln>
                   <a:noFill/>
                 </a:ln>
@@ -4046,7 +4382,7 @@
               <a:t>Network: </a:t>
             </a:r>
             <a:r>
-              <a:rPr kumimoji="0" lang="en-US" altLang="en-US" sz="1800" b="0" i="0" u="none" strike="noStrike" cap="none" normalizeH="0" baseline="0" dirty="0" smtClean="0">
+              <a:rPr kumimoji="0" lang="en-US" altLang="en-US" sz="1800" b="0" i="0" u="none" strike="noStrike" cap="none" normalizeH="0" baseline="0" dirty="0">
                 <a:ln>
                   <a:noFill/>
                 </a:ln>
@@ -4077,7 +4413,7 @@
               <a:buChar char="•"/>
               <a:tabLst/>
             </a:pPr>
-            <a:endParaRPr kumimoji="0" lang="en-US" altLang="en-US" sz="1800" b="0" i="0" u="none" strike="noStrike" cap="none" normalizeH="0" baseline="0" dirty="0" smtClean="0">
+            <a:endParaRPr kumimoji="0" lang="en-US" altLang="en-US" sz="1800" b="0" i="0" u="none" strike="noStrike" cap="none" normalizeH="0" baseline="0" dirty="0">
               <a:ln>
                 <a:noFill/>
               </a:ln>
@@ -4107,7 +4443,7 @@
               <a:tabLst/>
             </a:pPr>
             <a:r>
-              <a:rPr kumimoji="0" lang="en-US" altLang="en-US" sz="1800" b="0" i="0" u="none" strike="noStrike" cap="none" normalizeH="0" baseline="0" dirty="0" smtClean="0">
+              <a:rPr kumimoji="0" lang="en-US" altLang="en-US" sz="1800" b="0" i="0" u="none" strike="noStrike" cap="none" normalizeH="0" baseline="0" dirty="0">
                 <a:ln>
                   <a:noFill/>
                 </a:ln>
@@ -4138,7 +4474,7 @@
               <a:buChar char="•"/>
               <a:tabLst/>
             </a:pPr>
-            <a:endParaRPr kumimoji="0" lang="en-US" altLang="en-US" sz="1800" b="0" i="0" u="none" strike="noStrike" cap="none" normalizeH="0" baseline="0" dirty="0" smtClean="0">
+            <a:endParaRPr kumimoji="0" lang="en-US" altLang="en-US" sz="1800" b="0" i="0" u="none" strike="noStrike" cap="none" normalizeH="0" baseline="0" dirty="0">
               <a:ln>
                 <a:noFill/>
               </a:ln>
@@ -4168,7 +4504,7 @@
               <a:tabLst/>
             </a:pPr>
             <a:r>
-              <a:rPr kumimoji="0" lang="en-US" altLang="en-US" sz="1800" b="0" i="0" u="none" strike="noStrike" cap="none" normalizeH="0" baseline="0" dirty="0" smtClean="0">
+              <a:rPr kumimoji="0" lang="en-US" altLang="en-US" sz="1800" b="0" i="0" u="none" strike="noStrike" cap="none" normalizeH="0" baseline="0" dirty="0">
                 <a:ln>
                   <a:noFill/>
                 </a:ln>
@@ -4199,7 +4535,7 @@
               <a:buChar char="•"/>
               <a:tabLst/>
             </a:pPr>
-            <a:endParaRPr kumimoji="0" lang="en-US" altLang="en-US" sz="1800" b="0" i="0" u="none" strike="noStrike" cap="none" normalizeH="0" baseline="0" dirty="0" smtClean="0">
+            <a:endParaRPr kumimoji="0" lang="en-US" altLang="en-US" sz="1800" b="0" i="0" u="none" strike="noStrike" cap="none" normalizeH="0" baseline="0" dirty="0">
               <a:ln>
                 <a:noFill/>
               </a:ln>
@@ -4229,7 +4565,7 @@
               <a:tabLst/>
             </a:pPr>
             <a:r>
-              <a:rPr kumimoji="0" lang="en-US" altLang="en-US" sz="1800" b="0" i="0" u="none" strike="noStrike" cap="none" normalizeH="0" baseline="0" dirty="0" smtClean="0">
+              <a:rPr kumimoji="0" lang="en-US" altLang="en-US" sz="1800" b="0" i="0" u="none" strike="noStrike" cap="none" normalizeH="0" baseline="0" dirty="0">
                 <a:ln>
                   <a:noFill/>
                 </a:ln>
@@ -4279,17 +4615,10 @@
   <p:clrMapOvr>
     <a:masterClrMapping/>
   </p:clrMapOvr>
-  <p:timing>
-    <p:tnLst>
-      <p:par>
-        <p:cTn id="1" dur="indefinite" restart="never" nodeType="tmRoot"/>
-      </p:par>
-    </p:tnLst>
-  </p:timing>
 </p:sld>
 </file>
 
-<file path=ppt/slides/slide12.xml><?xml version="1.0" encoding="utf-8"?>
+<file path=ppt/slides/slide13.xml><?xml version="1.0" encoding="utf-8"?>
 <p:sld xmlns:a="http://schemas.openxmlformats.org/drawingml/2006/main" xmlns:r="http://schemas.openxmlformats.org/officeDocument/2006/relationships" xmlns:p="http://schemas.openxmlformats.org/presentationml/2006/main">
   <p:cSld>
     <p:spTree>
@@ -4326,36 +4655,18 @@
           <a:bodyPr/>
           <a:lstStyle/>
           <a:p>
-            <a:r>
-              <a:rPr lang="en-GB" sz="2800" b="1" dirty="0" smtClean="0">
-                <a:latin typeface="Times New Roman" panose="02020603050405020304" pitchFamily="18" charset="0"/>
-                <a:cs typeface="Times New Roman" panose="02020603050405020304" pitchFamily="18" charset="0"/>
-              </a:rPr>
-              <a:t/>
-            </a:r>
             <a:br>
-              <a:rPr lang="en-GB" sz="2800" b="1" dirty="0" smtClean="0">
+              <a:rPr lang="en-GB" sz="2800" b="1" dirty="0">
                 <a:latin typeface="Times New Roman" panose="02020603050405020304" pitchFamily="18" charset="0"/>
                 <a:cs typeface="Times New Roman" panose="02020603050405020304" pitchFamily="18" charset="0"/>
               </a:rPr>
             </a:br>
             <a:r>
-              <a:rPr lang="en-GB" sz="2800" b="1" dirty="0" smtClean="0">
-                <a:latin typeface="Times New Roman" panose="02020603050405020304" pitchFamily="18" charset="0"/>
-                <a:cs typeface="Times New Roman" panose="02020603050405020304" pitchFamily="18" charset="0"/>
-              </a:rPr>
-              <a:t>Lobby </a:t>
-            </a:r>
-            <a:r>
               <a:rPr lang="en-GB" sz="2800" b="1" dirty="0">
                 <a:latin typeface="Times New Roman" panose="02020603050405020304" pitchFamily="18" charset="0"/>
                 <a:cs typeface="Times New Roman" panose="02020603050405020304" pitchFamily="18" charset="0"/>
               </a:rPr>
-              <a:t>/ Guest Wi-Fi</a:t>
-            </a:r>
-            <a:r>
-              <a:rPr lang="en-GB" b="1" dirty="0"/>
-              <a:t/>
+              <a:t>Lobby / Guest Wi-Fi</a:t>
             </a:r>
             <a:br>
               <a:rPr lang="en-GB" b="1" dirty="0"/>
@@ -4442,7 +4753,7 @@
               <a:tabLst/>
             </a:pPr>
             <a:r>
-              <a:rPr kumimoji="0" lang="en-US" altLang="en-US" sz="1800" i="0" u="none" strike="noStrike" cap="none" normalizeH="0" baseline="0" dirty="0" smtClean="0">
+              <a:rPr kumimoji="0" lang="en-US" altLang="en-US" sz="1800" i="0" u="none" strike="noStrike" cap="none" normalizeH="0" baseline="0" dirty="0">
                 <a:ln>
                   <a:noFill/>
                 </a:ln>
@@ -4456,7 +4767,7 @@
               <a:t>Network: </a:t>
             </a:r>
             <a:r>
-              <a:rPr kumimoji="0" lang="en-US" altLang="en-US" sz="1800" b="0" i="0" u="none" strike="noStrike" cap="none" normalizeH="0" baseline="0" dirty="0" smtClean="0">
+              <a:rPr kumimoji="0" lang="en-US" altLang="en-US" sz="1800" b="0" i="0" u="none" strike="noStrike" cap="none" normalizeH="0" baseline="0" dirty="0">
                 <a:ln>
                   <a:noFill/>
                 </a:ln>
@@ -4487,7 +4798,7 @@
               <a:buChar char="•"/>
               <a:tabLst/>
             </a:pPr>
-            <a:endParaRPr kumimoji="0" lang="en-US" altLang="en-US" sz="1800" b="0" i="0" u="none" strike="noStrike" cap="none" normalizeH="0" baseline="0" dirty="0" smtClean="0">
+            <a:endParaRPr kumimoji="0" lang="en-US" altLang="en-US" sz="1800" b="0" i="0" u="none" strike="noStrike" cap="none" normalizeH="0" baseline="0" dirty="0">
               <a:ln>
                 <a:noFill/>
               </a:ln>
@@ -4517,7 +4828,7 @@
               <a:tabLst/>
             </a:pPr>
             <a:r>
-              <a:rPr kumimoji="0" lang="en-US" altLang="en-US" sz="1800" b="0" i="0" u="none" strike="noStrike" cap="none" normalizeH="0" baseline="0" dirty="0" smtClean="0">
+              <a:rPr kumimoji="0" lang="en-US" altLang="en-US" sz="1800" b="0" i="0" u="none" strike="noStrike" cap="none" normalizeH="0" baseline="0" dirty="0">
                 <a:ln>
                   <a:noFill/>
                 </a:ln>
@@ -4548,7 +4859,7 @@
               <a:buChar char="•"/>
               <a:tabLst/>
             </a:pPr>
-            <a:endParaRPr kumimoji="0" lang="en-US" altLang="en-US" sz="1800" b="0" i="0" u="none" strike="noStrike" cap="none" normalizeH="0" baseline="0" dirty="0" smtClean="0">
+            <a:endParaRPr kumimoji="0" lang="en-US" altLang="en-US" sz="1800" b="0" i="0" u="none" strike="noStrike" cap="none" normalizeH="0" baseline="0" dirty="0">
               <a:ln>
                 <a:noFill/>
               </a:ln>
@@ -4578,7 +4889,7 @@
               <a:tabLst/>
             </a:pPr>
             <a:r>
-              <a:rPr kumimoji="0" lang="en-US" altLang="en-US" sz="1800" b="0" i="0" u="none" strike="noStrike" cap="none" normalizeH="0" baseline="0" dirty="0" smtClean="0">
+              <a:rPr kumimoji="0" lang="en-US" altLang="en-US" sz="1800" b="0" i="0" u="none" strike="noStrike" cap="none" normalizeH="0" baseline="0" dirty="0">
                 <a:ln>
                   <a:noFill/>
                 </a:ln>
@@ -4609,7 +4920,7 @@
               <a:buChar char="•"/>
               <a:tabLst/>
             </a:pPr>
-            <a:endParaRPr kumimoji="0" lang="en-US" altLang="en-US" sz="1800" b="0" i="0" u="none" strike="noStrike" cap="none" normalizeH="0" baseline="0" dirty="0" smtClean="0">
+            <a:endParaRPr kumimoji="0" lang="en-US" altLang="en-US" sz="1800" b="0" i="0" u="none" strike="noStrike" cap="none" normalizeH="0" baseline="0" dirty="0">
               <a:ln>
                 <a:noFill/>
               </a:ln>
@@ -4639,7 +4950,7 @@
               <a:tabLst/>
             </a:pPr>
             <a:r>
-              <a:rPr kumimoji="0" lang="en-US" altLang="en-US" sz="1800" b="0" i="0" u="none" strike="noStrike" cap="none" normalizeH="0" baseline="0" dirty="0" smtClean="0">
+              <a:rPr kumimoji="0" lang="en-US" altLang="en-US" sz="1800" b="0" i="0" u="none" strike="noStrike" cap="none" normalizeH="0" baseline="0" dirty="0">
                 <a:ln>
                   <a:noFill/>
                 </a:ln>
@@ -4689,17 +5000,10 @@
   <p:clrMapOvr>
     <a:masterClrMapping/>
   </p:clrMapOvr>
-  <p:timing>
-    <p:tnLst>
-      <p:par>
-        <p:cTn id="1" dur="indefinite" restart="never" nodeType="tmRoot"/>
-      </p:par>
-    </p:tnLst>
-  </p:timing>
 </p:sld>
 </file>
 
-<file path=ppt/slides/slide13.xml><?xml version="1.0" encoding="utf-8"?>
+<file path=ppt/slides/slide14.xml><?xml version="1.0" encoding="utf-8"?>
 <p:sld xmlns:a="http://schemas.openxmlformats.org/drawingml/2006/main" xmlns:r="http://schemas.openxmlformats.org/officeDocument/2006/relationships" xmlns:p="http://schemas.openxmlformats.org/presentationml/2006/main">
   <p:cSld>
     <p:spTree>
@@ -4738,10 +5042,6 @@
               </a:rPr>
               <a:t>Conclusion</a:t>
             </a:r>
-            <a:r>
-              <a:rPr lang="en-GB" b="1" dirty="0"/>
-              <a:t/>
-            </a:r>
             <a:br>
               <a:rPr lang="en-GB" b="1" dirty="0"/>
             </a:br>
@@ -4765,18 +5065,11 @@
           <a:lstStyle/>
           <a:p>
             <a:r>
-              <a:rPr lang="en-GB" dirty="0" smtClean="0">
-                <a:latin typeface="Times New Roman" panose="02020603050405020304" pitchFamily="18" charset="0"/>
-                <a:cs typeface="Times New Roman" panose="02020603050405020304" pitchFamily="18" charset="0"/>
-              </a:rPr>
-              <a:t>Successfully </a:t>
-            </a:r>
-            <a:r>
               <a:rPr lang="en-GB" dirty="0">
                 <a:latin typeface="Times New Roman" panose="02020603050405020304" pitchFamily="18" charset="0"/>
                 <a:cs typeface="Times New Roman" panose="02020603050405020304" pitchFamily="18" charset="0"/>
               </a:rPr>
-              <a:t>built and simulated a hospital network</a:t>
+              <a:t>Successfully built and simulated a hospital network</a:t>
             </a:r>
           </a:p>
           <a:p>
@@ -4838,13 +5131,6 @@
   <p:clrMapOvr>
     <a:masterClrMapping/>
   </p:clrMapOvr>
-  <p:timing>
-    <p:tnLst>
-      <p:par>
-        <p:cTn id="1" dur="indefinite" restart="never" nodeType="tmRoot"/>
-      </p:par>
-    </p:tnLst>
-  </p:timing>
 </p:sld>
 </file>
 
@@ -4887,10 +5173,6 @@
               </a:rPr>
               <a:t>Objective</a:t>
             </a:r>
-            <a:r>
-              <a:rPr lang="en-GB" b="1" dirty="0"/>
-              <a:t/>
-            </a:r>
             <a:br>
               <a:rPr lang="en-GB" b="1" dirty="0"/>
             </a:br>
@@ -4922,24 +5204,14 @@
           <a:p>
             <a:pPr algn="just"/>
             <a:r>
-              <a:rPr lang="en-GB" sz="1800" dirty="0" smtClean="0">
+              <a:rPr lang="en-GB" sz="1800" dirty="0">
                 <a:solidFill>
                   <a:schemeClr val="tx1"/>
                 </a:solidFill>
                 <a:latin typeface="Times New Roman" panose="02020603050405020304" pitchFamily="18" charset="0"/>
                 <a:cs typeface="Times New Roman" panose="02020603050405020304" pitchFamily="18" charset="0"/>
               </a:rPr>
-              <a:t>Build </a:t>
-            </a:r>
-            <a:r>
-              <a:rPr lang="en-GB" sz="1800" dirty="0">
-                <a:solidFill>
-                  <a:schemeClr val="tx1"/>
-                </a:solidFill>
-                <a:latin typeface="Times New Roman" panose="02020603050405020304" pitchFamily="18" charset="0"/>
-                <a:cs typeface="Times New Roman" panose="02020603050405020304" pitchFamily="18" charset="0"/>
-              </a:rPr>
-              <a:t>a fully functional hospital network using Cisco Packet Tracer</a:t>
+              <a:t>Build a fully functional hospital network using Cisco Packet Tracer</a:t>
             </a:r>
           </a:p>
           <a:p>
@@ -5035,13 +5307,6 @@
   <p:clrMapOvr>
     <a:masterClrMapping/>
   </p:clrMapOvr>
-  <p:timing>
-    <p:tnLst>
-      <p:par>
-        <p:cTn id="1" dur="indefinite" restart="never" nodeType="tmRoot"/>
-      </p:par>
-    </p:tnLst>
-  </p:timing>
 </p:sld>
 </file>
 
@@ -5148,52 +5413,54 @@
                 <a:latin typeface="Times New Roman" panose="02020603050405020304" pitchFamily="18" charset="0"/>
                 <a:cs typeface="Times New Roman" panose="02020603050405020304" pitchFamily="18" charset="0"/>
               </a:rPr>
-              <a:t> </a:t>
-            </a:r>
-            <a:r>
-              <a:rPr lang="en-GB" dirty="0" smtClean="0">
+              <a:t> 6 (2960-24TT Switches)</a:t>
+            </a:r>
+          </a:p>
+          <a:p>
+            <a:r>
+              <a:rPr lang="en-GB" b="1" dirty="0">
                 <a:solidFill>
                   <a:schemeClr val="tx1"/>
                 </a:solidFill>
                 <a:latin typeface="Times New Roman" panose="02020603050405020304" pitchFamily="18" charset="0"/>
                 <a:cs typeface="Times New Roman" panose="02020603050405020304" pitchFamily="18" charset="0"/>
               </a:rPr>
-              <a:t>6 (2960-24TT Switches)</a:t>
-            </a:r>
-          </a:p>
-          <a:p>
-            <a:r>
-              <a:rPr lang="en-GB" b="1" dirty="0" smtClean="0">
+              <a:t>End Devices:</a:t>
+            </a:r>
+            <a:r>
+              <a:rPr lang="en-GB" dirty="0">
                 <a:solidFill>
                   <a:schemeClr val="tx1"/>
                 </a:solidFill>
                 <a:latin typeface="Times New Roman" panose="02020603050405020304" pitchFamily="18" charset="0"/>
                 <a:cs typeface="Times New Roman" panose="02020603050405020304" pitchFamily="18" charset="0"/>
               </a:rPr>
-              <a:t>End Devices:</a:t>
-            </a:r>
-            <a:r>
-              <a:rPr lang="en-GB" dirty="0" smtClean="0">
+              <a:t> PCs, Servers, Wireless Devices</a:t>
+            </a:r>
+          </a:p>
+          <a:p>
+            <a:r>
+              <a:rPr lang="en-GB" b="1" dirty="0">
                 <a:solidFill>
                   <a:schemeClr val="tx1"/>
                 </a:solidFill>
                 <a:latin typeface="Times New Roman" panose="02020603050405020304" pitchFamily="18" charset="0"/>
                 <a:cs typeface="Times New Roman" panose="02020603050405020304" pitchFamily="18" charset="0"/>
               </a:rPr>
-              <a:t> PCs, Servers, Wireless Devices</a:t>
-            </a:r>
-          </a:p>
-          <a:p>
-            <a:r>
-              <a:rPr lang="en-GB" b="1" dirty="0" smtClean="0">
+              <a:t>Servers:</a:t>
+            </a:r>
+            <a:r>
+              <a:rPr lang="en-GB" dirty="0">
                 <a:solidFill>
                   <a:schemeClr val="tx1"/>
                 </a:solidFill>
                 <a:latin typeface="Times New Roman" panose="02020603050405020304" pitchFamily="18" charset="0"/>
                 <a:cs typeface="Times New Roman" panose="02020603050405020304" pitchFamily="18" charset="0"/>
               </a:rPr>
-              <a:t>Servers</a:t>
-            </a:r>
+              <a:t> DNS, HTTP, FTP, SMTP, DHCP</a:t>
+            </a:r>
+          </a:p>
+          <a:p>
             <a:r>
               <a:rPr lang="en-GB" b="1" dirty="0">
                 <a:solidFill>
@@ -5202,49 +5469,7 @@
                 <a:latin typeface="Times New Roman" panose="02020603050405020304" pitchFamily="18" charset="0"/>
                 <a:cs typeface="Times New Roman" panose="02020603050405020304" pitchFamily="18" charset="0"/>
               </a:rPr>
-              <a:t>:</a:t>
-            </a:r>
-            <a:r>
-              <a:rPr lang="en-GB" dirty="0">
-                <a:solidFill>
-                  <a:schemeClr val="tx1"/>
-                </a:solidFill>
-                <a:latin typeface="Times New Roman" panose="02020603050405020304" pitchFamily="18" charset="0"/>
-                <a:cs typeface="Times New Roman" panose="02020603050405020304" pitchFamily="18" charset="0"/>
-              </a:rPr>
-              <a:t> DNS, HTTP, FTP, </a:t>
-            </a:r>
-            <a:r>
-              <a:rPr lang="en-GB" dirty="0" smtClean="0">
-                <a:solidFill>
-                  <a:schemeClr val="tx1"/>
-                </a:solidFill>
-                <a:latin typeface="Times New Roman" panose="02020603050405020304" pitchFamily="18" charset="0"/>
-                <a:cs typeface="Times New Roman" panose="02020603050405020304" pitchFamily="18" charset="0"/>
-              </a:rPr>
-              <a:t>SMTP</a:t>
-            </a:r>
-          </a:p>
-          <a:p>
-            <a:r>
-              <a:rPr lang="en-GB" b="1" dirty="0" smtClean="0">
-                <a:solidFill>
-                  <a:schemeClr val="tx1"/>
-                </a:solidFill>
-                <a:latin typeface="Times New Roman" panose="02020603050405020304" pitchFamily="18" charset="0"/>
-                <a:cs typeface="Times New Roman" panose="02020603050405020304" pitchFamily="18" charset="0"/>
-              </a:rPr>
-              <a:t>Others</a:t>
-            </a:r>
-            <a:r>
-              <a:rPr lang="en-GB" b="1" dirty="0">
-                <a:solidFill>
-                  <a:schemeClr val="tx1"/>
-                </a:solidFill>
-                <a:latin typeface="Times New Roman" panose="02020603050405020304" pitchFamily="18" charset="0"/>
-                <a:cs typeface="Times New Roman" panose="02020603050405020304" pitchFamily="18" charset="0"/>
-              </a:rPr>
-              <a:t>:</a:t>
+              <a:t>Others:</a:t>
             </a:r>
             <a:r>
               <a:rPr lang="en-GB" dirty="0">
@@ -5313,13 +5538,6 @@
   <p:clrMapOvr>
     <a:masterClrMapping/>
   </p:clrMapOvr>
-  <p:timing>
-    <p:tnLst>
-      <p:par>
-        <p:cTn id="1" dur="indefinite" restart="never" nodeType="tmRoot"/>
-      </p:par>
-    </p:tnLst>
-  </p:timing>
 </p:sld>
 </file>
 
@@ -5360,19 +5578,8 @@
                 <a:latin typeface="Times New Roman" panose="02020603050405020304" pitchFamily="18" charset="0"/>
                 <a:cs typeface="Times New Roman" panose="02020603050405020304" pitchFamily="18" charset="0"/>
               </a:rPr>
-              <a:t>Hospital </a:t>
-            </a:r>
-            <a:r>
-              <a:rPr lang="en-GB" b="1" dirty="0" smtClean="0">
-                <a:latin typeface="Times New Roman" panose="02020603050405020304" pitchFamily="18" charset="0"/>
-                <a:cs typeface="Times New Roman" panose="02020603050405020304" pitchFamily="18" charset="0"/>
-              </a:rPr>
-              <a:t>Segments</a:t>
-            </a:r>
-            <a:endParaRPr lang="en-GB" b="1" dirty="0">
-              <a:latin typeface="Times New Roman" panose="02020603050405020304" pitchFamily="18" charset="0"/>
-              <a:cs typeface="Times New Roman" panose="02020603050405020304" pitchFamily="18" charset="0"/>
-            </a:endParaRPr>
+              <a:t>Hospital Segments</a:t>
+            </a:r>
           </a:p>
         </p:txBody>
       </p:sp>
@@ -5444,21 +5651,21 @@
               </a:spcAft>
             </a:pPr>
             <a:r>
-              <a:rPr lang="en-US" altLang="en-US" sz="2000" b="1" dirty="0" smtClean="0">
+              <a:rPr lang="en-US" altLang="en-US" sz="2000" b="1" dirty="0">
                 <a:latin typeface="Times New Roman" panose="02020603050405020304" pitchFamily="18" charset="0"/>
                 <a:cs typeface="Times New Roman" panose="02020603050405020304" pitchFamily="18" charset="0"/>
               </a:rPr>
               <a:t>1</a:t>
             </a:r>
             <a:r>
-              <a:rPr lang="en-US" altLang="en-US" sz="2000" b="1" baseline="30000" dirty="0" smtClean="0">
+              <a:rPr lang="en-US" altLang="en-US" sz="2000" b="1" baseline="30000" dirty="0">
                 <a:latin typeface="Times New Roman" panose="02020603050405020304" pitchFamily="18" charset="0"/>
                 <a:cs typeface="Times New Roman" panose="02020603050405020304" pitchFamily="18" charset="0"/>
               </a:rPr>
               <a:t>st</a:t>
             </a:r>
             <a:r>
-              <a:rPr lang="en-US" altLang="en-US" sz="2000" b="1" dirty="0" smtClean="0">
+              <a:rPr lang="en-US" altLang="en-US" sz="2000" b="1" dirty="0">
                 <a:latin typeface="Times New Roman" panose="02020603050405020304" pitchFamily="18" charset="0"/>
                 <a:cs typeface="Times New Roman" panose="02020603050405020304" pitchFamily="18" charset="0"/>
               </a:rPr>
@@ -5477,16 +5684,12 @@
               <a:buChar char="•"/>
             </a:pPr>
             <a:r>
-              <a:rPr lang="en-US" altLang="en-US" sz="2000" dirty="0" smtClean="0">
+              <a:rPr lang="en-US" altLang="en-US" sz="2000" dirty="0">
                 <a:latin typeface="Times New Roman" panose="02020603050405020304" pitchFamily="18" charset="0"/>
                 <a:cs typeface="Times New Roman" panose="02020603050405020304" pitchFamily="18" charset="0"/>
               </a:rPr>
               <a:t>Entrance Reception</a:t>
             </a:r>
-            <a:endParaRPr lang="en-US" altLang="en-US" sz="2000" dirty="0">
-              <a:latin typeface="Times New Roman" panose="02020603050405020304" pitchFamily="18" charset="0"/>
-              <a:cs typeface="Times New Roman" panose="02020603050405020304" pitchFamily="18" charset="0"/>
-            </a:endParaRPr>
           </a:p>
           <a:p>
             <a:pPr marL="342900" lvl="0" indent="-342900" algn="just" defTabSz="914400" eaLnBrk="0" fontAlgn="base" hangingPunct="0">
@@ -5500,7 +5703,7 @@
               <a:buChar char="•"/>
             </a:pPr>
             <a:r>
-              <a:rPr lang="en-US" altLang="en-US" sz="2000" dirty="0" smtClean="0">
+              <a:rPr lang="en-US" altLang="en-US" sz="2000" dirty="0">
                 <a:latin typeface="Times New Roman" panose="02020603050405020304" pitchFamily="18" charset="0"/>
                 <a:cs typeface="Times New Roman" panose="02020603050405020304" pitchFamily="18" charset="0"/>
               </a:rPr>
@@ -5516,7 +5719,7 @@
                 <a:spcPct val="0"/>
               </a:spcAft>
             </a:pPr>
-            <a:endParaRPr lang="en-US" altLang="en-US" sz="2000" b="1" dirty="0" smtClean="0">
+            <a:endParaRPr lang="en-US" altLang="en-US" sz="2000" b="1" dirty="0">
               <a:latin typeface="Times New Roman" panose="02020603050405020304" pitchFamily="18" charset="0"/>
               <a:cs typeface="Times New Roman" panose="02020603050405020304" pitchFamily="18" charset="0"/>
             </a:endParaRPr>
@@ -5531,21 +5734,21 @@
               </a:spcAft>
             </a:pPr>
             <a:r>
-              <a:rPr lang="en-US" altLang="en-US" sz="2000" b="1" dirty="0" smtClean="0">
+              <a:rPr lang="en-US" altLang="en-US" sz="2000" b="1" dirty="0">
                 <a:latin typeface="Times New Roman" panose="02020603050405020304" pitchFamily="18" charset="0"/>
                 <a:cs typeface="Times New Roman" panose="02020603050405020304" pitchFamily="18" charset="0"/>
               </a:rPr>
               <a:t>2</a:t>
             </a:r>
             <a:r>
-              <a:rPr lang="en-US" altLang="en-US" sz="2000" b="1" baseline="30000" dirty="0" smtClean="0">
+              <a:rPr lang="en-US" altLang="en-US" sz="2000" b="1" baseline="30000" dirty="0">
                 <a:latin typeface="Times New Roman" panose="02020603050405020304" pitchFamily="18" charset="0"/>
                 <a:cs typeface="Times New Roman" panose="02020603050405020304" pitchFamily="18" charset="0"/>
               </a:rPr>
               <a:t>nd</a:t>
             </a:r>
             <a:r>
-              <a:rPr lang="en-US" altLang="en-US" sz="2000" b="1" dirty="0" smtClean="0">
+              <a:rPr lang="en-US" altLang="en-US" sz="2000" b="1" dirty="0">
                 <a:latin typeface="Times New Roman" panose="02020603050405020304" pitchFamily="18" charset="0"/>
                 <a:cs typeface="Times New Roman" panose="02020603050405020304" pitchFamily="18" charset="0"/>
               </a:rPr>
@@ -5558,18 +5761,11 @@
               <a:buChar char="•"/>
             </a:pPr>
             <a:r>
-              <a:rPr lang="en-US" dirty="0" smtClean="0">
-                <a:latin typeface="Times New Roman" panose="02020603050405020304" pitchFamily="18" charset="0"/>
-                <a:cs typeface="Times New Roman" panose="02020603050405020304" pitchFamily="18" charset="0"/>
-              </a:rPr>
-              <a:t>Clinical </a:t>
-            </a:r>
-            <a:r>
               <a:rPr lang="en-US" dirty="0">
                 <a:latin typeface="Times New Roman" panose="02020603050405020304" pitchFamily="18" charset="0"/>
                 <a:cs typeface="Times New Roman" panose="02020603050405020304" pitchFamily="18" charset="0"/>
               </a:rPr>
-              <a:t>Area</a:t>
+              <a:t>Clinical Area</a:t>
             </a:r>
             <a:endParaRPr lang="en-GB" dirty="0">
               <a:latin typeface="Times New Roman" panose="02020603050405020304" pitchFamily="18" charset="0"/>
@@ -5619,7 +5815,7 @@
                 <a:spcPct val="0"/>
               </a:spcAft>
             </a:pPr>
-            <a:endParaRPr lang="en-US" altLang="en-US" sz="2000" b="1" dirty="0" smtClean="0">
+            <a:endParaRPr lang="en-US" altLang="en-US" sz="2000" b="1" dirty="0">
               <a:latin typeface="Times New Roman" panose="02020603050405020304" pitchFamily="18" charset="0"/>
               <a:cs typeface="Times New Roman" panose="02020603050405020304" pitchFamily="18" charset="0"/>
             </a:endParaRPr>
@@ -5634,21 +5830,21 @@
               </a:spcAft>
             </a:pPr>
             <a:r>
-              <a:rPr lang="en-US" altLang="en-US" sz="2000" b="1" dirty="0" smtClean="0">
+              <a:rPr lang="en-US" altLang="en-US" sz="2000" b="1" dirty="0">
                 <a:latin typeface="Times New Roman" panose="02020603050405020304" pitchFamily="18" charset="0"/>
                 <a:cs typeface="Times New Roman" panose="02020603050405020304" pitchFamily="18" charset="0"/>
               </a:rPr>
               <a:t>3</a:t>
             </a:r>
             <a:r>
-              <a:rPr lang="en-US" altLang="en-US" sz="2000" b="1" baseline="30000" dirty="0" smtClean="0">
+              <a:rPr lang="en-US" altLang="en-US" sz="2000" b="1" baseline="30000" dirty="0">
                 <a:latin typeface="Times New Roman" panose="02020603050405020304" pitchFamily="18" charset="0"/>
                 <a:cs typeface="Times New Roman" panose="02020603050405020304" pitchFamily="18" charset="0"/>
               </a:rPr>
               <a:t>rd</a:t>
             </a:r>
             <a:r>
-              <a:rPr lang="en-US" altLang="en-US" sz="2000" b="1" dirty="0" smtClean="0">
+              <a:rPr lang="en-US" altLang="en-US" sz="2000" b="1" dirty="0">
                 <a:latin typeface="Times New Roman" panose="02020603050405020304" pitchFamily="18" charset="0"/>
                 <a:cs typeface="Times New Roman" panose="02020603050405020304" pitchFamily="18" charset="0"/>
               </a:rPr>
@@ -5704,13 +5900,6 @@
   <p:clrMapOvr>
     <a:masterClrMapping/>
   </p:clrMapOvr>
-  <p:timing>
-    <p:tnLst>
-      <p:par>
-        <p:cTn id="1" dur="indefinite" restart="never" nodeType="tmRoot"/>
-      </p:par>
-    </p:tnLst>
-  </p:timing>
 </p:sld>
 </file>
 
@@ -5753,10 +5942,6 @@
               </a:rPr>
               <a:t>Connectivity Overview</a:t>
             </a:r>
-            <a:r>
-              <a:rPr lang="en-GB" b="1" dirty="0"/>
-              <a:t/>
-            </a:r>
             <a:br>
               <a:rPr lang="en-GB" b="1" dirty="0"/>
             </a:br>
@@ -5780,18 +5965,11 @@
           <a:lstStyle/>
           <a:p>
             <a:r>
-              <a:rPr lang="en-GB" b="1" dirty="0" smtClean="0">
-                <a:latin typeface="Times New Roman" panose="02020603050405020304" pitchFamily="18" charset="0"/>
-                <a:cs typeface="Times New Roman" panose="02020603050405020304" pitchFamily="18" charset="0"/>
-              </a:rPr>
-              <a:t>Routing</a:t>
-            </a:r>
-            <a:r>
               <a:rPr lang="en-GB" b="1" dirty="0">
                 <a:latin typeface="Times New Roman" panose="02020603050405020304" pitchFamily="18" charset="0"/>
                 <a:cs typeface="Times New Roman" panose="02020603050405020304" pitchFamily="18" charset="0"/>
               </a:rPr>
-              <a:t>:</a:t>
+              <a:t>Routing:</a:t>
             </a:r>
             <a:r>
               <a:rPr lang="en-GB" dirty="0">
@@ -5840,21 +6018,7 @@
                 <a:latin typeface="Times New Roman" panose="02020603050405020304" pitchFamily="18" charset="0"/>
                 <a:cs typeface="Times New Roman" panose="02020603050405020304" pitchFamily="18" charset="0"/>
               </a:rPr>
-              <a:t>Guest </a:t>
-            </a:r>
-            <a:r>
-              <a:rPr lang="en-GB" b="1" dirty="0" smtClean="0">
-                <a:latin typeface="Times New Roman" panose="02020603050405020304" pitchFamily="18" charset="0"/>
-                <a:cs typeface="Times New Roman" panose="02020603050405020304" pitchFamily="18" charset="0"/>
-              </a:rPr>
-              <a:t>Wi-Fi </a:t>
-            </a:r>
-            <a:r>
-              <a:rPr lang="en-GB" b="1" dirty="0">
-                <a:latin typeface="Times New Roman" panose="02020603050405020304" pitchFamily="18" charset="0"/>
-                <a:cs typeface="Times New Roman" panose="02020603050405020304" pitchFamily="18" charset="0"/>
-              </a:rPr>
-              <a:t>Zone:</a:t>
+              <a:t>Guest Wi-Fi Zone:</a:t>
             </a:r>
             <a:r>
               <a:rPr lang="en-GB" dirty="0">
@@ -5879,13 +6043,6 @@
   <p:clrMapOvr>
     <a:masterClrMapping/>
   </p:clrMapOvr>
-  <p:timing>
-    <p:tnLst>
-      <p:par>
-        <p:cTn id="1" dur="indefinite" restart="never" nodeType="tmRoot"/>
-      </p:par>
-    </p:tnLst>
-  </p:timing>
 </p:sld>
 </file>
 
@@ -5908,6 +6065,221 @@
       </p:grpSpPr>
       <p:sp>
         <p:nvSpPr>
+          <p:cNvPr id="2" name="Title 1">
+            <a:extLst>
+              <a:ext uri="{FF2B5EF4-FFF2-40B4-BE49-F238E27FC236}">
+                <a16:creationId xmlns:a16="http://schemas.microsoft.com/office/drawing/2014/main" id="{A23AFDCF-70D0-6305-FF14-ABB3762FBD08}"/>
+              </a:ext>
+            </a:extLst>
+          </p:cNvPr>
+          <p:cNvSpPr>
+            <a:spLocks noGrp="1"/>
+          </p:cNvSpPr>
+          <p:nvPr>
+            <p:ph type="title"/>
+          </p:nvPr>
+        </p:nvSpPr>
+        <p:spPr/>
+        <p:txBody>
+          <a:bodyPr/>
+          <a:lstStyle/>
+          <a:p>
+            <a:r>
+              <a:rPr lang="en-US" b="1" dirty="0">
+                <a:latin typeface="Times New Roman" panose="02020603050405020304" pitchFamily="18" charset="0"/>
+                <a:cs typeface="Times New Roman" panose="02020603050405020304" pitchFamily="18" charset="0"/>
+              </a:rPr>
+              <a:t>Security Features Used</a:t>
+            </a:r>
+          </a:p>
+        </p:txBody>
+      </p:sp>
+      <p:sp>
+        <p:nvSpPr>
+          <p:cNvPr id="3" name="Content Placeholder 2">
+            <a:extLst>
+              <a:ext uri="{FF2B5EF4-FFF2-40B4-BE49-F238E27FC236}">
+                <a16:creationId xmlns:a16="http://schemas.microsoft.com/office/drawing/2014/main" id="{1BD27246-636D-8832-06EA-55BB983B1D76}"/>
+              </a:ext>
+            </a:extLst>
+          </p:cNvPr>
+          <p:cNvSpPr>
+            <a:spLocks noGrp="1"/>
+          </p:cNvSpPr>
+          <p:nvPr>
+            <p:ph idx="1"/>
+          </p:nvPr>
+        </p:nvSpPr>
+        <p:spPr/>
+        <p:txBody>
+          <a:bodyPr/>
+          <a:lstStyle/>
+          <a:p>
+            <a:pPr marL="0" indent="0">
+              <a:buNone/>
+            </a:pPr>
+            <a:r>
+              <a:rPr lang="en-US" dirty="0">
+                <a:latin typeface="Times New Roman" panose="02020603050405020304" pitchFamily="18" charset="0"/>
+                <a:cs typeface="Times New Roman" panose="02020603050405020304" pitchFamily="18" charset="0"/>
+              </a:rPr>
+              <a:t>Security Features Implemented</a:t>
+            </a:r>
+            <a:r>
+              <a:rPr lang="bn-BD" dirty="0">
+                <a:latin typeface="Times New Roman" panose="02020603050405020304" pitchFamily="18" charset="0"/>
+                <a:cs typeface="Times New Roman" panose="02020603050405020304" pitchFamily="18" charset="0"/>
+              </a:rPr>
+              <a:t>-</a:t>
+            </a:r>
+            <a:endParaRPr lang="bn-BD" dirty="0">
+              <a:latin typeface="Times New Roman" panose="02020603050405020304" pitchFamily="18" charset="0"/>
+            </a:endParaRPr>
+          </a:p>
+          <a:p>
+            <a:r>
+              <a:rPr lang="en-US" dirty="0">
+                <a:latin typeface="Times New Roman" panose="02020603050405020304" pitchFamily="18" charset="0"/>
+                <a:cs typeface="Times New Roman" panose="02020603050405020304" pitchFamily="18" charset="0"/>
+              </a:rPr>
+              <a:t>1. Network Segmentation Using </a:t>
+            </a:r>
+            <a:r>
+              <a:rPr lang="en-US" dirty="0" err="1">
+                <a:latin typeface="Times New Roman" panose="02020603050405020304" pitchFamily="18" charset="0"/>
+                <a:cs typeface="Times New Roman" panose="02020603050405020304" pitchFamily="18" charset="0"/>
+              </a:rPr>
+              <a:t>Subnettin</a:t>
+            </a:r>
+            <a:r>
+              <a:rPr lang="bn-BD" dirty="0">
+                <a:latin typeface="Times New Roman" panose="02020603050405020304" pitchFamily="18" charset="0"/>
+                <a:cs typeface="Times New Roman" panose="02020603050405020304" pitchFamily="18" charset="0"/>
+              </a:rPr>
+              <a:t>g: </a:t>
+            </a:r>
+            <a:r>
+              <a:rPr lang="en-US" dirty="0">
+                <a:latin typeface="Times New Roman" panose="02020603050405020304" pitchFamily="18" charset="0"/>
+                <a:cs typeface="Times New Roman" panose="02020603050405020304" pitchFamily="18" charset="0"/>
+              </a:rPr>
+              <a:t>Each department is assigned a unique IP subnet (e.g., 192.168.1.0, 192.168.2.0, etc.).This provides basic logical separation between hospital units.</a:t>
+            </a:r>
+            <a:endParaRPr lang="bn-BD" dirty="0">
+              <a:latin typeface="Times New Roman" panose="02020603050405020304" pitchFamily="18" charset="0"/>
+            </a:endParaRPr>
+          </a:p>
+          <a:p>
+            <a:r>
+              <a:rPr lang="en-US" dirty="0">
+                <a:latin typeface="Times New Roman" panose="02020603050405020304" pitchFamily="18" charset="0"/>
+                <a:cs typeface="Times New Roman" panose="02020603050405020304" pitchFamily="18" charset="0"/>
+              </a:rPr>
+              <a:t>2. Static IP Addressing</a:t>
+            </a:r>
+            <a:r>
+              <a:rPr lang="bn-BD" dirty="0">
+                <a:latin typeface="Times New Roman" panose="02020603050405020304" pitchFamily="18" charset="0"/>
+                <a:cs typeface="Times New Roman" panose="02020603050405020304" pitchFamily="18" charset="0"/>
+              </a:rPr>
+              <a:t>: </a:t>
+            </a:r>
+            <a:r>
+              <a:rPr lang="en-US" dirty="0">
+                <a:latin typeface="Times New Roman" panose="02020603050405020304" pitchFamily="18" charset="0"/>
+                <a:cs typeface="Times New Roman" panose="02020603050405020304" pitchFamily="18" charset="0"/>
+              </a:rPr>
+              <a:t>Manual IP configuration helps maintain fixed device </a:t>
+            </a:r>
+            <a:r>
+              <a:rPr lang="en-US" dirty="0" err="1">
+                <a:latin typeface="Times New Roman" panose="02020603050405020304" pitchFamily="18" charset="0"/>
+                <a:cs typeface="Times New Roman" panose="02020603050405020304" pitchFamily="18" charset="0"/>
+              </a:rPr>
+              <a:t>identification.Ensures</a:t>
+            </a:r>
+            <a:r>
+              <a:rPr lang="en-US" dirty="0">
+                <a:latin typeface="Times New Roman" panose="02020603050405020304" pitchFamily="18" charset="0"/>
+                <a:cs typeface="Times New Roman" panose="02020603050405020304" pitchFamily="18" charset="0"/>
+              </a:rPr>
+              <a:t> predictable routing and avoids random IP conflicts.</a:t>
+            </a:r>
+            <a:endParaRPr lang="bn-BD" dirty="0">
+              <a:latin typeface="Times New Roman" panose="02020603050405020304" pitchFamily="18" charset="0"/>
+            </a:endParaRPr>
+          </a:p>
+          <a:p>
+            <a:r>
+              <a:rPr lang="en-US" dirty="0">
+                <a:latin typeface="Times New Roman" panose="02020603050405020304" pitchFamily="18" charset="0"/>
+                <a:cs typeface="Times New Roman" panose="02020603050405020304" pitchFamily="18" charset="0"/>
+              </a:rPr>
+              <a:t>3. Isolated Guest Wi-Fi </a:t>
+            </a:r>
+            <a:r>
+              <a:rPr lang="bn-BD">
+                <a:latin typeface="Times New Roman" panose="02020603050405020304" pitchFamily="18" charset="0"/>
+                <a:cs typeface="Times New Roman" panose="02020603050405020304" pitchFamily="18" charset="0"/>
+              </a:rPr>
+              <a:t>Network: The </a:t>
+            </a:r>
+            <a:r>
+              <a:rPr lang="en-US" dirty="0">
+                <a:latin typeface="Times New Roman" panose="02020603050405020304" pitchFamily="18" charset="0"/>
+                <a:cs typeface="Times New Roman" panose="02020603050405020304" pitchFamily="18" charset="0"/>
+              </a:rPr>
+              <a:t>Guest Wi-Fi zone is separated from internal hospital systems.</a:t>
+            </a:r>
+            <a:r>
+              <a:rPr lang="bn-BD" dirty="0">
+                <a:latin typeface="Times New Roman" panose="02020603050405020304" pitchFamily="18" charset="0"/>
+                <a:cs typeface="Times New Roman" panose="02020603050405020304" pitchFamily="18" charset="0"/>
+              </a:rPr>
+              <a:t> </a:t>
+            </a:r>
+            <a:r>
+              <a:rPr lang="en-US" dirty="0">
+                <a:latin typeface="Times New Roman" panose="02020603050405020304" pitchFamily="18" charset="0"/>
+                <a:cs typeface="Times New Roman" panose="02020603050405020304" pitchFamily="18" charset="0"/>
+              </a:rPr>
+              <a:t>Internet-only access ensures guests cannot reach internal servers or PCs.</a:t>
+            </a:r>
+          </a:p>
+        </p:txBody>
+      </p:sp>
+    </p:spTree>
+    <p:extLst>
+      <p:ext uri="{BB962C8B-B14F-4D97-AF65-F5344CB8AC3E}">
+        <p14:creationId xmlns:p14="http://schemas.microsoft.com/office/powerpoint/2010/main" val="3026585155"/>
+      </p:ext>
+    </p:extLst>
+  </p:cSld>
+  <p:clrMapOvr>
+    <a:masterClrMapping/>
+  </p:clrMapOvr>
+</p:sld>
+</file>
+
+<file path=ppt/slides/slide7.xml><?xml version="1.0" encoding="utf-8"?>
+<p:sld xmlns:a="http://schemas.openxmlformats.org/drawingml/2006/main" xmlns:r="http://schemas.openxmlformats.org/officeDocument/2006/relationships" xmlns:p="http://schemas.openxmlformats.org/presentationml/2006/main">
+  <p:cSld>
+    <p:spTree>
+      <p:nvGrpSpPr>
+        <p:cNvPr id="1" name=""/>
+        <p:cNvGrpSpPr/>
+        <p:nvPr/>
+      </p:nvGrpSpPr>
+      <p:grpSpPr>
+        <a:xfrm>
+          <a:off x="0" y="0"/>
+          <a:ext cx="0" cy="0"/>
+          <a:chOff x="0" y="0"/>
+          <a:chExt cx="0" cy="0"/>
+        </a:xfrm>
+      </p:grpSpPr>
+      <p:sp>
+        <p:nvSpPr>
           <p:cNvPr id="2" name="Title 1"/>
           <p:cNvSpPr>
             <a:spLocks noGrp="1"/>
@@ -5924,7 +6296,7 @@
           <a:lstStyle/>
           <a:p>
             <a:r>
-              <a:rPr lang="en-US" sz="3200" b="1" dirty="0" smtClean="0">
+              <a:rPr lang="en-US" sz="3200" b="1" dirty="0">
                 <a:latin typeface="Times New Roman" panose="02020603050405020304" pitchFamily="18" charset="0"/>
                 <a:cs typeface="Times New Roman" panose="02020603050405020304" pitchFamily="18" charset="0"/>
               </a:rPr>
@@ -5971,17 +6343,10 @@
   <p:clrMapOvr>
     <a:masterClrMapping/>
   </p:clrMapOvr>
-  <p:timing>
-    <p:tnLst>
-      <p:par>
-        <p:cTn id="1" dur="indefinite" restart="never" nodeType="tmRoot"/>
-      </p:par>
-    </p:tnLst>
-  </p:timing>
 </p:sld>
 </file>
 
-<file path=ppt/slides/slide7.xml><?xml version="1.0" encoding="utf-8"?>
+<file path=ppt/slides/slide8.xml><?xml version="1.0" encoding="utf-8"?>
 <p:sld xmlns:a="http://schemas.openxmlformats.org/drawingml/2006/main" xmlns:r="http://schemas.openxmlformats.org/officeDocument/2006/relationships" xmlns:p="http://schemas.openxmlformats.org/presentationml/2006/main">
   <p:cSld>
     <p:spTree>
@@ -6014,15 +6379,11 @@
           <a:lstStyle/>
           <a:p>
             <a:r>
-              <a:rPr lang="en-GB" sz="2800" b="1" dirty="0" smtClean="0">
+              <a:rPr lang="en-GB" sz="2800" b="1" dirty="0">
                 <a:latin typeface="Times New Roman" panose="02020603050405020304" pitchFamily="18" charset="0"/>
                 <a:cs typeface="Times New Roman" panose="02020603050405020304" pitchFamily="18" charset="0"/>
               </a:rPr>
               <a:t>IT Department</a:t>
-            </a:r>
-            <a:r>
-              <a:rPr lang="en-GB" b="1" dirty="0"/>
-              <a:t/>
             </a:r>
             <a:br>
               <a:rPr lang="en-GB" b="1" dirty="0"/>
@@ -6109,7 +6470,7 @@
               <a:tabLst/>
             </a:pPr>
             <a:r>
-              <a:rPr kumimoji="0" lang="en-US" altLang="en-US" sz="1800" i="0" u="none" strike="noStrike" cap="none" normalizeH="0" baseline="0" dirty="0" smtClean="0">
+              <a:rPr kumimoji="0" lang="en-US" altLang="en-US" sz="1800" i="0" u="none" strike="noStrike" cap="none" normalizeH="0" baseline="0" dirty="0">
                 <a:ln>
                   <a:noFill/>
                 </a:ln>
@@ -6123,7 +6484,7 @@
               <a:t>Network: </a:t>
             </a:r>
             <a:r>
-              <a:rPr kumimoji="0" lang="en-US" altLang="en-US" sz="1800" b="0" i="0" u="none" strike="noStrike" cap="none" normalizeH="0" baseline="0" dirty="0" smtClean="0">
+              <a:rPr kumimoji="0" lang="en-US" altLang="en-US" sz="1800" b="0" i="0" u="none" strike="noStrike" cap="none" normalizeH="0" baseline="0" dirty="0">
                 <a:ln>
                   <a:noFill/>
                 </a:ln>
@@ -6154,7 +6515,7 @@
               <a:buChar char="•"/>
               <a:tabLst/>
             </a:pPr>
-            <a:endParaRPr kumimoji="0" lang="en-US" altLang="en-US" sz="1800" b="0" i="0" u="none" strike="noStrike" cap="none" normalizeH="0" baseline="0" dirty="0" smtClean="0">
+            <a:endParaRPr kumimoji="0" lang="en-US" altLang="en-US" sz="1800" b="0" i="0" u="none" strike="noStrike" cap="none" normalizeH="0" baseline="0" dirty="0">
               <a:ln>
                 <a:noFill/>
               </a:ln>
@@ -6184,7 +6545,7 @@
               <a:tabLst/>
             </a:pPr>
             <a:r>
-              <a:rPr kumimoji="0" lang="en-US" altLang="en-US" sz="1800" b="0" i="0" u="none" strike="noStrike" cap="none" normalizeH="0" baseline="0" dirty="0" smtClean="0">
+              <a:rPr kumimoji="0" lang="en-US" altLang="en-US" sz="1800" b="0" i="0" u="none" strike="noStrike" cap="none" normalizeH="0" baseline="0" dirty="0">
                 <a:ln>
                   <a:noFill/>
                 </a:ln>
@@ -6215,7 +6576,7 @@
               <a:buChar char="•"/>
               <a:tabLst/>
             </a:pPr>
-            <a:endParaRPr kumimoji="0" lang="en-US" altLang="en-US" sz="1800" b="0" i="0" u="none" strike="noStrike" cap="none" normalizeH="0" baseline="0" dirty="0" smtClean="0">
+            <a:endParaRPr kumimoji="0" lang="en-US" altLang="en-US" sz="1800" b="0" i="0" u="none" strike="noStrike" cap="none" normalizeH="0" baseline="0" dirty="0">
               <a:ln>
                 <a:noFill/>
               </a:ln>
@@ -6245,7 +6606,7 @@
               <a:tabLst/>
             </a:pPr>
             <a:r>
-              <a:rPr kumimoji="0" lang="en-US" altLang="en-US" sz="1800" b="0" i="0" u="none" strike="noStrike" cap="none" normalizeH="0" baseline="0" dirty="0" smtClean="0">
+              <a:rPr kumimoji="0" lang="en-US" altLang="en-US" sz="1800" b="0" i="0" u="none" strike="noStrike" cap="none" normalizeH="0" baseline="0" dirty="0">
                 <a:ln>
                   <a:noFill/>
                 </a:ln>
@@ -6276,7 +6637,7 @@
               <a:buChar char="•"/>
               <a:tabLst/>
             </a:pPr>
-            <a:endParaRPr kumimoji="0" lang="en-US" altLang="en-US" sz="1800" b="0" i="0" u="none" strike="noStrike" cap="none" normalizeH="0" baseline="0" dirty="0" smtClean="0">
+            <a:endParaRPr kumimoji="0" lang="en-US" altLang="en-US" sz="1800" b="0" i="0" u="none" strike="noStrike" cap="none" normalizeH="0" baseline="0" dirty="0">
               <a:ln>
                 <a:noFill/>
               </a:ln>
@@ -6306,7 +6667,7 @@
               <a:tabLst/>
             </a:pPr>
             <a:r>
-              <a:rPr kumimoji="0" lang="en-US" altLang="en-US" sz="1800" b="0" i="0" u="none" strike="noStrike" cap="none" normalizeH="0" baseline="0" dirty="0" smtClean="0">
+              <a:rPr kumimoji="0" lang="en-US" altLang="en-US" sz="1800" b="0" i="0" u="none" strike="noStrike" cap="none" normalizeH="0" baseline="0" dirty="0">
                 <a:ln>
                   <a:noFill/>
                 </a:ln>
@@ -6356,17 +6717,10 @@
   <p:clrMapOvr>
     <a:masterClrMapping/>
   </p:clrMapOvr>
-  <p:timing>
-    <p:tnLst>
-      <p:par>
-        <p:cTn id="1" dur="indefinite" restart="never" nodeType="tmRoot"/>
-      </p:par>
-    </p:tnLst>
-  </p:timing>
 </p:sld>
 </file>
 
-<file path=ppt/slides/slide8.xml><?xml version="1.0" encoding="utf-8"?>
+<file path=ppt/slides/slide9.xml><?xml version="1.0" encoding="utf-8"?>
 <p:sld xmlns:a="http://schemas.openxmlformats.org/drawingml/2006/main" xmlns:r="http://schemas.openxmlformats.org/officeDocument/2006/relationships" xmlns:p="http://schemas.openxmlformats.org/presentationml/2006/main">
   <p:cSld>
     <p:spTree>
@@ -6399,15 +6753,11 @@
           <a:lstStyle/>
           <a:p>
             <a:r>
-              <a:rPr lang="en-GB" sz="2800" b="1" dirty="0" smtClean="0">
+              <a:rPr lang="en-GB" sz="2800" b="1" dirty="0">
                 <a:latin typeface="Times New Roman" panose="02020603050405020304" pitchFamily="18" charset="0"/>
                 <a:cs typeface="Times New Roman" panose="02020603050405020304" pitchFamily="18" charset="0"/>
               </a:rPr>
               <a:t>Clinical Area</a:t>
-            </a:r>
-            <a:r>
-              <a:rPr lang="en-GB" b="1" dirty="0"/>
-              <a:t/>
             </a:r>
             <a:br>
               <a:rPr lang="en-GB" b="1" dirty="0"/>
@@ -6477,17 +6827,7 @@
                 <a:latin typeface="Times New Roman" panose="02020603050405020304" pitchFamily="18" charset="0"/>
                 <a:cs typeface="Times New Roman" panose="02020603050405020304" pitchFamily="18" charset="0"/>
               </a:rPr>
-              <a:t> </a:t>
-            </a:r>
-            <a:r>
-              <a:rPr lang="en-US" altLang="en-US" sz="2100" dirty="0" smtClean="0">
-                <a:solidFill>
-                  <a:schemeClr val="tx1"/>
-                </a:solidFill>
-                <a:latin typeface="Times New Roman" panose="02020603050405020304" pitchFamily="18" charset="0"/>
-                <a:cs typeface="Times New Roman" panose="02020603050405020304" pitchFamily="18" charset="0"/>
-              </a:rPr>
-              <a:t>192.168.2.0</a:t>
+              <a:t> 192.168.2.0</a:t>
             </a:r>
           </a:p>
           <a:p>
@@ -6530,37 +6870,7 @@
                 <a:latin typeface="Times New Roman" panose="02020603050405020304" pitchFamily="18" charset="0"/>
                 <a:cs typeface="Times New Roman" panose="02020603050405020304" pitchFamily="18" charset="0"/>
               </a:rPr>
-              <a:t>Includes: Clinical Reception, </a:t>
-            </a:r>
-            <a:r>
-              <a:rPr lang="en-US" altLang="en-US" sz="2100" dirty="0" smtClean="0">
-                <a:solidFill>
-                  <a:schemeClr val="tx1"/>
-                </a:solidFill>
-                <a:latin typeface="Times New Roman" panose="02020603050405020304" pitchFamily="18" charset="0"/>
-                <a:cs typeface="Times New Roman" panose="02020603050405020304" pitchFamily="18" charset="0"/>
-              </a:rPr>
-              <a:t>Test Room</a:t>
-            </a:r>
-            <a:r>
-              <a:rPr lang="en-US" altLang="en-US" sz="2100" dirty="0">
-                <a:solidFill>
-                  <a:schemeClr val="tx1"/>
-                </a:solidFill>
-                <a:latin typeface="Times New Roman" panose="02020603050405020304" pitchFamily="18" charset="0"/>
-                <a:cs typeface="Times New Roman" panose="02020603050405020304" pitchFamily="18" charset="0"/>
-              </a:rPr>
-              <a:t>, Ultrasound, Operation </a:t>
-            </a:r>
-            <a:r>
-              <a:rPr lang="en-US" altLang="en-US" sz="2100" dirty="0" smtClean="0">
-                <a:solidFill>
-                  <a:schemeClr val="tx1"/>
-                </a:solidFill>
-                <a:latin typeface="Times New Roman" panose="02020603050405020304" pitchFamily="18" charset="0"/>
-                <a:cs typeface="Times New Roman" panose="02020603050405020304" pitchFamily="18" charset="0"/>
-              </a:rPr>
-              <a:t>Theater</a:t>
+              <a:t>Includes: Clinical Reception, Test Room, Ultrasound, Operation Theater</a:t>
             </a:r>
           </a:p>
           <a:p>
@@ -6603,17 +6913,7 @@
                 <a:latin typeface="Times New Roman" panose="02020603050405020304" pitchFamily="18" charset="0"/>
                 <a:cs typeface="Times New Roman" panose="02020603050405020304" pitchFamily="18" charset="0"/>
               </a:rPr>
-              <a:t>Main area for patient diagnosis and </a:t>
-            </a:r>
-            <a:r>
-              <a:rPr lang="en-US" altLang="en-US" sz="2100" dirty="0" smtClean="0">
-                <a:solidFill>
-                  <a:schemeClr val="tx1"/>
-                </a:solidFill>
-                <a:latin typeface="Times New Roman" panose="02020603050405020304" pitchFamily="18" charset="0"/>
-                <a:cs typeface="Times New Roman" panose="02020603050405020304" pitchFamily="18" charset="0"/>
-              </a:rPr>
-              <a:t>treatment</a:t>
+              <a:t>Main area for patient diagnosis and treatment</a:t>
             </a:r>
           </a:p>
           <a:p>
@@ -6697,398 +6997,6 @@
   <p:clrMapOvr>
     <a:masterClrMapping/>
   </p:clrMapOvr>
-  <p:timing>
-    <p:tnLst>
-      <p:par>
-        <p:cTn id="1" dur="indefinite" restart="never" nodeType="tmRoot"/>
-      </p:par>
-    </p:tnLst>
-  </p:timing>
-</p:sld>
-</file>
-
-<file path=ppt/slides/slide9.xml><?xml version="1.0" encoding="utf-8"?>
-<p:sld xmlns:a="http://schemas.openxmlformats.org/drawingml/2006/main" xmlns:r="http://schemas.openxmlformats.org/officeDocument/2006/relationships" xmlns:p="http://schemas.openxmlformats.org/presentationml/2006/main">
-  <p:cSld>
-    <p:spTree>
-      <p:nvGrpSpPr>
-        <p:cNvPr id="1" name=""/>
-        <p:cNvGrpSpPr/>
-        <p:nvPr/>
-      </p:nvGrpSpPr>
-      <p:grpSpPr>
-        <a:xfrm>
-          <a:off x="0" y="0"/>
-          <a:ext cx="0" cy="0"/>
-          <a:chOff x="0" y="0"/>
-          <a:chExt cx="0" cy="0"/>
-        </a:xfrm>
-      </p:grpSpPr>
-      <p:sp>
-        <p:nvSpPr>
-          <p:cNvPr id="2" name="Title 1"/>
-          <p:cNvSpPr>
-            <a:spLocks noGrp="1"/>
-          </p:cNvSpPr>
-          <p:nvPr>
-            <p:ph type="title"/>
-          </p:nvPr>
-        </p:nvSpPr>
-        <p:spPr/>
-        <p:txBody>
-          <a:bodyPr/>
-          <a:lstStyle/>
-          <a:p>
-            <a:r>
-              <a:rPr lang="en-GB" sz="2800" b="1" dirty="0" smtClean="0">
-                <a:latin typeface="Times New Roman" panose="02020603050405020304" pitchFamily="18" charset="0"/>
-                <a:cs typeface="Times New Roman" panose="02020603050405020304" pitchFamily="18" charset="0"/>
-              </a:rPr>
-              <a:t>General ward</a:t>
-            </a:r>
-            <a:r>
-              <a:rPr lang="en-GB" b="1" dirty="0"/>
-              <a:t/>
-            </a:r>
-            <a:br>
-              <a:rPr lang="en-GB" b="1" dirty="0"/>
-            </a:br>
-            <a:endParaRPr lang="en-GB" dirty="0"/>
-          </a:p>
-        </p:txBody>
-      </p:sp>
-      <p:sp>
-        <p:nvSpPr>
-          <p:cNvPr id="3" name="Rectangle 1"/>
-          <p:cNvSpPr>
-            <a:spLocks noGrp="1" noChangeArrowheads="1"/>
-          </p:cNvSpPr>
-          <p:nvPr>
-            <p:ph type="body" sz="half" idx="2"/>
-          </p:nvPr>
-        </p:nvSpPr>
-        <p:spPr bwMode="auto">
-          <a:xfrm>
-            <a:off x="808523" y="3634318"/>
-            <a:ext cx="4658215" cy="2308324"/>
-          </a:xfrm>
-          <a:prstGeom prst="rect">
-            <a:avLst/>
-          </a:prstGeom>
-          <a:noFill/>
-          <a:ln>
-            <a:noFill/>
-          </a:ln>
-          <a:effectLst/>
-          <a:extLst>
-            <a:ext uri="{909E8E84-426E-40DD-AFC4-6F175D3DCCD1}">
-              <a14:hiddenFill xmlns:a14="http://schemas.microsoft.com/office/drawing/2010/main">
-                <a:solidFill>
-                  <a:schemeClr val="accent1"/>
-                </a:solidFill>
-              </a14:hiddenFill>
-            </a:ext>
-            <a:ext uri="{91240B29-F687-4F45-9708-019B960494DF}">
-              <a14:hiddenLine xmlns:a14="http://schemas.microsoft.com/office/drawing/2010/main" w="9525">
-                <a:solidFill>
-                  <a:schemeClr val="tx1"/>
-                </a:solidFill>
-                <a:miter lim="800000"/>
-                <a:headEnd/>
-                <a:tailEnd/>
-              </a14:hiddenLine>
-            </a:ext>
-            <a:ext uri="{AF507438-7753-43E0-B8FC-AC1667EBCBE1}">
-              <a14:hiddenEffects xmlns:a14="http://schemas.microsoft.com/office/drawing/2010/main">
-                <a:effectLst>
-                  <a:outerShdw dist="35921" dir="2700000" algn="ctr" rotWithShape="0">
-                    <a:schemeClr val="bg2"/>
-                  </a:outerShdw>
-                </a:effectLst>
-              </a14:hiddenEffects>
-            </a:ext>
-          </a:extLst>
-        </p:spPr>
-        <p:txBody>
-          <a:bodyPr vert="horz" wrap="square" lIns="91440" tIns="45720" rIns="91440" bIns="45720" numCol="1" anchor="ctr" anchorCtr="0" compatLnSpc="1">
-            <a:prstTxWarp prst="textNoShape">
-              <a:avLst/>
-            </a:prstTxWarp>
-            <a:spAutoFit/>
-          </a:bodyPr>
-          <a:lstStyle/>
-          <a:p>
-            <a:pPr marL="0" marR="0" lvl="0" indent="0" algn="l" defTabSz="914400" rtl="0" eaLnBrk="0" fontAlgn="base" latinLnBrk="0" hangingPunct="0">
-              <a:lnSpc>
-                <a:spcPct val="100000"/>
-              </a:lnSpc>
-              <a:spcBef>
-                <a:spcPct val="0"/>
-              </a:spcBef>
-              <a:spcAft>
-                <a:spcPct val="0"/>
-              </a:spcAft>
-              <a:buClrTx/>
-              <a:buSzTx/>
-              <a:buFontTx/>
-              <a:buChar char="•"/>
-              <a:tabLst/>
-            </a:pPr>
-            <a:r>
-              <a:rPr kumimoji="0" lang="en-US" altLang="en-US" sz="1800" i="0" u="none" strike="noStrike" cap="none" normalizeH="0" baseline="0" dirty="0" smtClean="0">
-                <a:ln>
-                  <a:noFill/>
-                </a:ln>
-                <a:solidFill>
-                  <a:schemeClr val="tx1"/>
-                </a:solidFill>
-                <a:effectLst/>
-                <a:latin typeface="Times New Roman" panose="02020603050405020304" pitchFamily="18" charset="0"/>
-                <a:cs typeface="Times New Roman" panose="02020603050405020304" pitchFamily="18" charset="0"/>
-              </a:rPr>
-              <a:t>Network: </a:t>
-            </a:r>
-            <a:r>
-              <a:rPr kumimoji="0" lang="en-US" altLang="en-US" sz="1800" b="0" i="0" u="none" strike="noStrike" cap="none" normalizeH="0" baseline="0" dirty="0" smtClean="0">
-                <a:ln>
-                  <a:noFill/>
-                </a:ln>
-                <a:solidFill>
-                  <a:schemeClr val="tx1"/>
-                </a:solidFill>
-                <a:effectLst/>
-                <a:latin typeface="Times New Roman" panose="02020603050405020304" pitchFamily="18" charset="0"/>
-                <a:cs typeface="Times New Roman" panose="02020603050405020304" pitchFamily="18" charset="0"/>
-              </a:rPr>
-              <a:t>192.168.4.0</a:t>
-            </a:r>
-          </a:p>
-          <a:p>
-            <a:pPr marL="0" marR="0" lvl="0" indent="0" algn="l" defTabSz="914400" rtl="0" eaLnBrk="0" fontAlgn="base" latinLnBrk="0" hangingPunct="0">
-              <a:lnSpc>
-                <a:spcPct val="100000"/>
-              </a:lnSpc>
-              <a:spcBef>
-                <a:spcPct val="0"/>
-              </a:spcBef>
-              <a:spcAft>
-                <a:spcPct val="0"/>
-              </a:spcAft>
-              <a:buClrTx/>
-              <a:buSzTx/>
-              <a:buFontTx/>
-              <a:buChar char="•"/>
-              <a:tabLst/>
-            </a:pPr>
-            <a:endParaRPr kumimoji="0" lang="en-US" altLang="en-US" sz="1800" b="0" i="0" u="none" strike="noStrike" cap="none" normalizeH="0" baseline="0" dirty="0" smtClean="0">
-              <a:ln>
-                <a:noFill/>
-              </a:ln>
-              <a:solidFill>
-                <a:schemeClr val="tx1"/>
-              </a:solidFill>
-              <a:effectLst/>
-              <a:latin typeface="Times New Roman" panose="02020603050405020304" pitchFamily="18" charset="0"/>
-              <a:cs typeface="Times New Roman" panose="02020603050405020304" pitchFamily="18" charset="0"/>
-            </a:endParaRPr>
-          </a:p>
-          <a:p>
-            <a:pPr marL="0" marR="0" lvl="0" indent="0" algn="l" defTabSz="914400" rtl="0" eaLnBrk="0" fontAlgn="base" latinLnBrk="0" hangingPunct="0">
-              <a:lnSpc>
-                <a:spcPct val="100000"/>
-              </a:lnSpc>
-              <a:spcBef>
-                <a:spcPct val="0"/>
-              </a:spcBef>
-              <a:spcAft>
-                <a:spcPct val="0"/>
-              </a:spcAft>
-              <a:buClrTx/>
-              <a:buSzTx/>
-              <a:buFontTx/>
-              <a:buChar char="•"/>
-              <a:tabLst/>
-            </a:pPr>
-            <a:r>
-              <a:rPr kumimoji="0" lang="en-US" altLang="en-US" sz="1800" b="0" i="0" u="none" strike="noStrike" cap="none" normalizeH="0" baseline="0" dirty="0" smtClean="0">
-                <a:ln>
-                  <a:noFill/>
-                </a:ln>
-                <a:solidFill>
-                  <a:schemeClr val="tx1"/>
-                </a:solidFill>
-                <a:effectLst/>
-                <a:latin typeface="Times New Roman" panose="02020603050405020304" pitchFamily="18" charset="0"/>
-                <a:cs typeface="Times New Roman" panose="02020603050405020304" pitchFamily="18" charset="0"/>
-              </a:rPr>
-              <a:t>Consists of: Reception, General Ward PCs, Dr. Habib’s PC</a:t>
-            </a:r>
-          </a:p>
-          <a:p>
-            <a:pPr marL="0" marR="0" lvl="0" indent="0" algn="l" defTabSz="914400" rtl="0" eaLnBrk="0" fontAlgn="base" latinLnBrk="0" hangingPunct="0">
-              <a:lnSpc>
-                <a:spcPct val="100000"/>
-              </a:lnSpc>
-              <a:spcBef>
-                <a:spcPct val="0"/>
-              </a:spcBef>
-              <a:spcAft>
-                <a:spcPct val="0"/>
-              </a:spcAft>
-              <a:buClrTx/>
-              <a:buSzTx/>
-              <a:buFontTx/>
-              <a:buChar char="•"/>
-              <a:tabLst/>
-            </a:pPr>
-            <a:endParaRPr kumimoji="0" lang="en-US" altLang="en-US" sz="1800" b="0" i="0" u="none" strike="noStrike" cap="none" normalizeH="0" baseline="0" dirty="0" smtClean="0">
-              <a:ln>
-                <a:noFill/>
-              </a:ln>
-              <a:solidFill>
-                <a:schemeClr val="tx1"/>
-              </a:solidFill>
-              <a:effectLst/>
-              <a:latin typeface="Times New Roman" panose="02020603050405020304" pitchFamily="18" charset="0"/>
-              <a:cs typeface="Times New Roman" panose="02020603050405020304" pitchFamily="18" charset="0"/>
-            </a:endParaRPr>
-          </a:p>
-          <a:p>
-            <a:pPr marL="0" marR="0" lvl="0" indent="0" algn="l" defTabSz="914400" rtl="0" eaLnBrk="0" fontAlgn="base" latinLnBrk="0" hangingPunct="0">
-              <a:lnSpc>
-                <a:spcPct val="100000"/>
-              </a:lnSpc>
-              <a:spcBef>
-                <a:spcPct val="0"/>
-              </a:spcBef>
-              <a:spcAft>
-                <a:spcPct val="0"/>
-              </a:spcAft>
-              <a:buClrTx/>
-              <a:buSzTx/>
-              <a:buFontTx/>
-              <a:buChar char="•"/>
-              <a:tabLst/>
-            </a:pPr>
-            <a:r>
-              <a:rPr kumimoji="0" lang="en-US" altLang="en-US" sz="1800" b="0" i="0" u="none" strike="noStrike" cap="none" normalizeH="0" baseline="0" dirty="0" smtClean="0">
-                <a:ln>
-                  <a:noFill/>
-                </a:ln>
-                <a:solidFill>
-                  <a:schemeClr val="tx1"/>
-                </a:solidFill>
-                <a:effectLst/>
-                <a:latin typeface="Times New Roman" panose="02020603050405020304" pitchFamily="18" charset="0"/>
-                <a:cs typeface="Times New Roman" panose="02020603050405020304" pitchFamily="18" charset="0"/>
-              </a:rPr>
-              <a:t>Manages patients admitted in shared spaces</a:t>
-            </a:r>
-          </a:p>
-          <a:p>
-            <a:pPr marL="0" marR="0" lvl="0" indent="0" algn="l" defTabSz="914400" rtl="0" eaLnBrk="0" fontAlgn="base" latinLnBrk="0" hangingPunct="0">
-              <a:lnSpc>
-                <a:spcPct val="100000"/>
-              </a:lnSpc>
-              <a:spcBef>
-                <a:spcPct val="0"/>
-              </a:spcBef>
-              <a:spcAft>
-                <a:spcPct val="0"/>
-              </a:spcAft>
-              <a:buClrTx/>
-              <a:buSzTx/>
-              <a:buFontTx/>
-              <a:buChar char="•"/>
-              <a:tabLst/>
-            </a:pPr>
-            <a:endParaRPr kumimoji="0" lang="en-US" altLang="en-US" sz="1800" b="0" i="0" u="none" strike="noStrike" cap="none" normalizeH="0" baseline="0" dirty="0" smtClean="0">
-              <a:ln>
-                <a:noFill/>
-              </a:ln>
-              <a:solidFill>
-                <a:schemeClr val="tx1"/>
-              </a:solidFill>
-              <a:effectLst/>
-              <a:latin typeface="Times New Roman" panose="02020603050405020304" pitchFamily="18" charset="0"/>
-              <a:cs typeface="Times New Roman" panose="02020603050405020304" pitchFamily="18" charset="0"/>
-            </a:endParaRPr>
-          </a:p>
-          <a:p>
-            <a:pPr marL="0" marR="0" lvl="0" indent="0" algn="l" defTabSz="914400" rtl="0" eaLnBrk="0" fontAlgn="base" latinLnBrk="0" hangingPunct="0">
-              <a:lnSpc>
-                <a:spcPct val="100000"/>
-              </a:lnSpc>
-              <a:spcBef>
-                <a:spcPct val="0"/>
-              </a:spcBef>
-              <a:spcAft>
-                <a:spcPct val="0"/>
-              </a:spcAft>
-              <a:buClrTx/>
-              <a:buSzTx/>
-              <a:buFontTx/>
-              <a:buChar char="•"/>
-              <a:tabLst/>
-            </a:pPr>
-            <a:r>
-              <a:rPr kumimoji="0" lang="en-US" altLang="en-US" sz="1800" b="0" i="0" u="none" strike="noStrike" cap="none" normalizeH="0" baseline="0" dirty="0" smtClean="0">
-                <a:ln>
-                  <a:noFill/>
-                </a:ln>
-                <a:solidFill>
-                  <a:schemeClr val="tx1"/>
-                </a:solidFill>
-                <a:effectLst/>
-                <a:latin typeface="Times New Roman" panose="02020603050405020304" pitchFamily="18" charset="0"/>
-                <a:cs typeface="Times New Roman" panose="02020603050405020304" pitchFamily="18" charset="0"/>
-              </a:rPr>
-              <a:t>Exchanges data with Clinical and Private Ward</a:t>
-            </a:r>
-          </a:p>
-        </p:txBody>
-      </p:sp>
-      <p:pic>
-        <p:nvPicPr>
-          <p:cNvPr id="5" name="Picture 4"/>
-          <p:cNvPicPr>
-            <a:picLocks noChangeAspect="1"/>
-          </p:cNvPicPr>
-          <p:nvPr/>
-        </p:nvPicPr>
-        <p:blipFill>
-          <a:blip r:embed="rId2"/>
-          <a:stretch>
-            <a:fillRect/>
-          </a:stretch>
-        </p:blipFill>
-        <p:spPr>
-          <a:xfrm>
-            <a:off x="6464207" y="1973851"/>
-            <a:ext cx="5241363" cy="3133725"/>
-          </a:xfrm>
-          <a:prstGeom prst="rect">
-            <a:avLst/>
-          </a:prstGeom>
-        </p:spPr>
-      </p:pic>
-    </p:spTree>
-    <p:extLst>
-      <p:ext uri="{BB962C8B-B14F-4D97-AF65-F5344CB8AC3E}">
-        <p14:creationId xmlns:p14="http://schemas.microsoft.com/office/powerpoint/2010/main" val="1632785818"/>
-      </p:ext>
-    </p:extLst>
-  </p:cSld>
-  <p:clrMapOvr>
-    <a:masterClrMapping/>
-  </p:clrMapOvr>
-  <p:timing>
-    <p:tnLst>
-      <p:par>
-        <p:cTn id="1" dur="indefinite" restart="never" nodeType="tmRoot"/>
-      </p:par>
-    </p:tnLst>
-  </p:timing>
 </p:sld>
 </file>
 
